--- a/presentation.pptx
+++ b/presentation.pptx
@@ -7,6 +7,29 @@
   <p:sldIdLst>
     <p:sldId id="256" r:id="rId2"/>
     <p:sldId id="257" r:id="rId3"/>
+    <p:sldId id="260" r:id="rId4"/>
+    <p:sldId id="261" r:id="rId5"/>
+    <p:sldId id="262" r:id="rId6"/>
+    <p:sldId id="263" r:id="rId7"/>
+    <p:sldId id="264" r:id="rId8"/>
+    <p:sldId id="265" r:id="rId9"/>
+    <p:sldId id="266" r:id="rId10"/>
+    <p:sldId id="267" r:id="rId11"/>
+    <p:sldId id="268" r:id="rId12"/>
+    <p:sldId id="269" r:id="rId13"/>
+    <p:sldId id="270" r:id="rId14"/>
+    <p:sldId id="271" r:id="rId15"/>
+    <p:sldId id="272" r:id="rId16"/>
+    <p:sldId id="273" r:id="rId17"/>
+    <p:sldId id="274" r:id="rId18"/>
+    <p:sldId id="275" r:id="rId19"/>
+    <p:sldId id="276" r:id="rId20"/>
+    <p:sldId id="277" r:id="rId21"/>
+    <p:sldId id="278" r:id="rId22"/>
+    <p:sldId id="279" r:id="rId23"/>
+    <p:sldId id="280" r:id="rId24"/>
+    <p:sldId id="281" r:id="rId25"/>
+    <p:sldId id="282" r:id="rId26"/>
   </p:sldIdLst>
   <p:sldSz cx="12192000" cy="6858000"/>
   <p:notesSz cx="6858000" cy="9144000"/>
@@ -113,6 +136,359 @@
 </p:presentation>
 </file>
 
+<file path=ppt/ink/ink1.xml><?xml version="1.0" encoding="utf-8"?>
+<inkml:ink xmlns:inkml="http://www.w3.org/2003/InkML">
+  <inkml:definitions>
+    <inkml:context xml:id="ctx0">
+      <inkml:inkSource xml:id="inkSrc0">
+        <inkml:traceFormat>
+          <inkml:channel name="X" type="integer" min="-2.14748E9" max="2.14748E9" units="cm"/>
+          <inkml:channel name="Y" type="integer" min="-2.14748E9" max="2.14748E9" units="cm"/>
+          <inkml:channel name="F" type="integer" max="32767" units="dev"/>
+        </inkml:traceFormat>
+        <inkml:channelProperties>
+          <inkml:channelProperty channel="X" name="resolution" value="1000" units="1/cm"/>
+          <inkml:channelProperty channel="Y" name="resolution" value="1000" units="1/cm"/>
+          <inkml:channelProperty channel="F" name="resolution" value="0" units="1/dev"/>
+        </inkml:channelProperties>
+      </inkml:inkSource>
+      <inkml:timestamp xml:id="ts0" timeString="2024-02-09T20:51:30.268"/>
+    </inkml:context>
+    <inkml:brush xml:id="br0">
+      <inkml:brushProperty name="width" value="0.035" units="cm"/>
+      <inkml:brushProperty name="height" value="0.035" units="cm"/>
+    </inkml:brush>
+  </inkml:definitions>
+  <inkml:trace contextRef="#ctx0" brushRef="#br0">86 663 3161,'0'0'4090,"0"-48"-2929,-3-154 14,2 176-773,-1 1 0,-1 0-1,-11-44 1,6 32 26,-6-30 314,-19-81 1049,28 134-1260,3 12 176,1 23 155,1-7-1164,1 108 306,16 130 0,67 385 168,-80-605-225,57 498 262,-34-2-2464,-27-477 129,0-25-1596</inkml:trace>
+</inkml:ink>
+</file>
+
+<file path=ppt/ink/ink10.xml><?xml version="1.0" encoding="utf-8"?>
+<inkml:ink xmlns:inkml="http://www.w3.org/2003/InkML">
+  <inkml:definitions>
+    <inkml:context xml:id="ctx0">
+      <inkml:inkSource xml:id="inkSrc0">
+        <inkml:traceFormat>
+          <inkml:channel name="X" type="integer" min="-2.14748E9" max="2.14748E9" units="cm"/>
+          <inkml:channel name="Y" type="integer" min="-2.14748E9" max="2.14748E9" units="cm"/>
+          <inkml:channel name="F" type="integer" max="32767" units="dev"/>
+        </inkml:traceFormat>
+        <inkml:channelProperties>
+          <inkml:channelProperty channel="X" name="resolution" value="1000" units="1/cm"/>
+          <inkml:channelProperty channel="Y" name="resolution" value="1000" units="1/cm"/>
+          <inkml:channelProperty channel="F" name="resolution" value="0" units="1/dev"/>
+        </inkml:channelProperties>
+      </inkml:inkSource>
+      <inkml:timestamp xml:id="ts0" timeString="2024-02-09T20:51:34.513"/>
+    </inkml:context>
+    <inkml:brush xml:id="br0">
+      <inkml:brushProperty name="width" value="0.035" units="cm"/>
+      <inkml:brushProperty name="height" value="0.035" units="cm"/>
+    </inkml:brush>
+  </inkml:definitions>
+  <inkml:trace contextRef="#ctx0" brushRef="#br0">265 1 7346,'0'0'5625,"-44"60"-5112,-132 203-119,169-250-373,0 0 0,1 0 0,1 1 1,1 0-1,0 0 0,0 0 0,1 0 0,1 0 1,1 1-1,0-1 0,1 15 0,-1 1 26,2 0 0,1 0 0,2 0 0,1 0 0,1-1 0,1 0 0,19 48 0,-9-39-11,1-1 0,2-1 0,2 0 0,1-2 0,2 0 0,47 49 0,-67-77-37,1-1 0,0 0-1,0 0 1,0 0-1,0-1 1,1 0-1,0 0 1,0 0 0,0-1-1,0 0 1,1-1-1,12 4 1,-18-6-12,-1 0-1,0 1 1,1-1 0,-1 0 0,0 0-1,1 0 1,-1 0 0,0 0-1,1 0 1,-1-1 0,0 1 0,0 0-1,1 0 1,-1-1 0,0 1 0,1-1-1,-1 0 1,0 1 0,0-1 0,0 0-1,1 0 1,0-2-17,0 0-1,-1 1 0,0-1 1,1 0-1,-1 1 1,0-1-1,0 0 0,-1 0 1,1 0-1,0-3 1,4-41-170,-1-94 1,-4 107 94,1-75-376,0-9-1811,-15-137 1,-18 71-2342,21 131 2954,9 41 1482,-1-3 241,0-1 0,-11-27 1,13 73 4102,2-16-3776,0 0 0,1 0 0,0-1 0,1 1 0,0-1 0,1 0 0,6 13 0,49 90 786,-34-72-823,-20-35-282,125 223 937,-84-156-822,58 70 0,-50-84-177,-47-55-64,0-1 0,0 0 1,0 0-1,1 0 0,15 7 0,-22-12 9,0-1-1,0 1 0,0-1 1,0 1-1,0-1 0,0 1 1,0-1-1,0 0 0,0 1 1,0-1-1,1 0 0,-1 0 1,0 0-1,0 0 0,0 0 0,0 0 1,0 0-1,1-1 0,-1 1 1,0 0-1,0-1 0,0 1 1,0-1-1,0 1 0,1-1 1,-1-1-156,1 1 1,-1-1 0,0 1 0,0-1-1,0 0 1,0 1 0,0-1-1,-1 0 1,1 0 0,0 0 0,-1 0-1,0 0 1,1-3 0,2-55-4967</inkml:trace>
+  <inkml:trace contextRef="#ctx0" brushRef="#br0" timeOffset="1">964 271 4505,'0'0'6985,"155"323"-6368,-93-198-201,1 5-160,6-11-152,9-4-104,-24-32-584,-15-31-2497</inkml:trace>
+</inkml:ink>
+</file>
+
+<file path=ppt/ink/ink11.xml><?xml version="1.0" encoding="utf-8"?>
+<inkml:ink xmlns:inkml="http://www.w3.org/2003/InkML">
+  <inkml:definitions>
+    <inkml:context xml:id="ctx0">
+      <inkml:inkSource xml:id="inkSrc0">
+        <inkml:traceFormat>
+          <inkml:channel name="X" type="integer" min="-2.14748E9" max="2.14748E9" units="cm"/>
+          <inkml:channel name="Y" type="integer" min="-2.14748E9" max="2.14748E9" units="cm"/>
+          <inkml:channel name="F" type="integer" max="32767" units="dev"/>
+        </inkml:traceFormat>
+        <inkml:channelProperties>
+          <inkml:channelProperty channel="X" name="resolution" value="1000" units="1/cm"/>
+          <inkml:channelProperty channel="Y" name="resolution" value="1000" units="1/cm"/>
+          <inkml:channelProperty channel="F" name="resolution" value="0" units="1/dev"/>
+        </inkml:channelProperties>
+      </inkml:inkSource>
+      <inkml:timestamp xml:id="ts0" timeString="2024-02-09T20:51:34.851"/>
+    </inkml:context>
+    <inkml:brush xml:id="br0">
+      <inkml:brushProperty name="width" value="0.035" units="cm"/>
+      <inkml:brushProperty name="height" value="0.035" units="cm"/>
+    </inkml:brush>
+  </inkml:definitions>
+  <inkml:trace contextRef="#ctx0" brushRef="#br0">0 0 9634,'0'0'3785</inkml:trace>
+</inkml:ink>
+</file>
+
+<file path=ppt/ink/ink12.xml><?xml version="1.0" encoding="utf-8"?>
+<inkml:ink xmlns:inkml="http://www.w3.org/2003/InkML">
+  <inkml:definitions>
+    <inkml:context xml:id="ctx0">
+      <inkml:inkSource xml:id="inkSrc0">
+        <inkml:traceFormat>
+          <inkml:channel name="X" type="integer" min="-2.14748E9" max="2.14748E9" units="cm"/>
+          <inkml:channel name="Y" type="integer" min="-2.14748E9" max="2.14748E9" units="cm"/>
+          <inkml:channel name="F" type="integer" max="32767" units="dev"/>
+        </inkml:traceFormat>
+        <inkml:channelProperties>
+          <inkml:channelProperty channel="X" name="resolution" value="1000" units="1/cm"/>
+          <inkml:channelProperty channel="Y" name="resolution" value="1000" units="1/cm"/>
+          <inkml:channelProperty channel="F" name="resolution" value="0" units="1/dev"/>
+        </inkml:channelProperties>
+      </inkml:inkSource>
+      <inkml:timestamp xml:id="ts0" timeString="2024-02-09T20:51:35.186"/>
+    </inkml:context>
+    <inkml:brush xml:id="br0">
+      <inkml:brushProperty name="width" value="0.035" units="cm"/>
+      <inkml:brushProperty name="height" value="0.035" units="cm"/>
+    </inkml:brush>
+  </inkml:definitions>
+  <inkml:trace contextRef="#ctx0" brushRef="#br0">1 691 9282,'0'0'2949,"19"52"-2288,63 166 33,-74-193-438,2-1 1,0 1-1,17 27 1,-23-46-189,-2-3-21,10 13 196,-12-16-240,0 0-1,0 0 0,1 0 0,-1 0 0,0 0 0,0 0 0,0 0 0,1 0 0,-1 0 1,0 0-1,0 0 0,0 0 0,1 0 0,-1 0 0,0 0 0,0 0 0,0 0 1,1 0-1,-1 0 0,0 0 0,0 0 0,0 0 0,1 0 0,-1 0 0,0 0 1,0 0-1,0 0 0,1 0 0,-1-1 0,0 1 0,0 0 0,1 0 0,4-15-4,10-94-81,-5 30 59,62-332-1058,-58 353 828,3 0 0,2 2 0,3 0 1,56-102-1,-72 149 235,0 0 0,0 0 0,0 1 0,1-1 0,0 2 0,1-1 0,0 1 0,0 0 0,0 1 0,1 0 0,0 0 0,11-5 0,-15 9 28,0 1 0,0-1 0,0 1 0,0 0 1,0 0-1,0 1 0,1-1 0,-1 1 1,0 0-1,1 1 0,-1-1 0,0 1 0,0 0 1,0 0-1,0 1 0,0 0 0,0 0 0,0 0 1,0 0-1,-1 1 0,1-1 0,-1 1 1,1 0-1,-1 1 0,0-1 0,4 6 0,10 9 127,-2 1 0,0 1 1,0 1-1,19 37 0,46 103 242,-55-105-291,197 408-264,-201-413-1681,-18-30-3921</inkml:trace>
+</inkml:ink>
+</file>
+
+<file path=ppt/ink/ink13.xml><?xml version="1.0" encoding="utf-8"?>
+<inkml:ink xmlns:inkml="http://www.w3.org/2003/InkML">
+  <inkml:definitions>
+    <inkml:context xml:id="ctx0">
+      <inkml:inkSource xml:id="inkSrc0">
+        <inkml:traceFormat>
+          <inkml:channel name="X" type="integer" min="-2.14748E9" max="2.14748E9" units="cm"/>
+          <inkml:channel name="Y" type="integer" min="-2.14748E9" max="2.14748E9" units="cm"/>
+          <inkml:channel name="F" type="integer" max="32767" units="dev"/>
+        </inkml:traceFormat>
+        <inkml:channelProperties>
+          <inkml:channelProperty channel="X" name="resolution" value="1000" units="1/cm"/>
+          <inkml:channelProperty channel="Y" name="resolution" value="1000" units="1/cm"/>
+          <inkml:channelProperty channel="F" name="resolution" value="0" units="1/dev"/>
+        </inkml:channelProperties>
+      </inkml:inkSource>
+      <inkml:timestamp xml:id="ts0" timeString="2024-02-09T20:51:36.425"/>
+    </inkml:context>
+    <inkml:brush xml:id="br0">
+      <inkml:brushProperty name="width" value="0.035" units="cm"/>
+      <inkml:brushProperty name="height" value="0.035" units="cm"/>
+    </inkml:brush>
+  </inkml:definitions>
+  <inkml:trace contextRef="#ctx0" brushRef="#br0">55 146 680,'0'0'10326,"0"-4"-9417,0-13-217,0 12 775,3 5-2349,-2 1 837,1-1 0,-1 0 0,0 0 0,1 0 0,-1 0 0,1 0 0,-1-1 0,1 1 0,-1 0 1,0-1-1,1 1 0,-1-1 0,0 1 0,1-1 0,-1 0 0,0 1 0,0-1 0,1 0 0,-1 0 0,0 0 0,1-1 0,-1-1 11,0 1-1,0-1 1,0 0 0,0 0-1,-1 1 1,1-1 0,-1 0-1,0 0 1,0 0 0,0-4-1,1-12 56,-1 14-15,1 0 0,-1 0 0,0 0 0,0 0 0,-1 0 0,-1-8 0,1 12-4,0 0 1,0 1-1,1-1 1,-1 0-1,0 1 1,0-1-1,0 1 0,0-1 1,0 1-1,0-1 1,0 1-1,0 0 1,0-1-1,0 1 0,0 0 1,0 0-1,0 0 1,0 0-1,0 0 1,0 0-1,0 0 1,0 0-1,0 0 0,-2 1 1,-1-1-16,2 0 8,0 0 1,1 0 0,-1 0-1,0 0 1,0 1-1,1-1 1,-1 1-1,0-1 1,1 1-1,-1-1 1,1 1-1,-1 0 1,1 0-1,-1 0 1,1 0 0,-1 0-1,1 0 1,0 0-1,-1 0 1,1 1-1,0-1 1,0 0-1,0 1 1,0-1-1,0 1 1,0-1 0,1 1-1,-1-1 1,1 1-1,-2 2 1,0 5 46,1 0 1,0 0 0,0 0 0,1 17 0,0-13 33,-1 18 88,0 30 67,1-55-216,1-1-1,0 1 1,0-1 0,0 0-1,0 1 1,1-1-1,0 0 1,4 8 0,-3-9-13,0 0-1,0 0 1,0-1 0,0 1 0,1-1 0,0 0-1,-1 0 1,1 0 0,0 0 0,1 0 0,-1-1-1,0 0 1,1 0 0,-1 0 0,8 1 0,2 1-88,0-2 1,0 0 0,1-1 0,17 0-1,-30-1 50,0 0 0,1 0 0,-1 0 0,0-1 0,0 1-1,0-1 1,0 0 0,0 1 0,0-1 0,0 0 0,0 0 0,0 0 0,0-1-1,0 1 1,0 0 0,-1-1 0,4-2 0,-2 0 20,-1 1 0,1-1 0,-1 0 1,0 0-1,1 0 0,-2 0 0,1-1 0,1-5 1,1-5 18,-1-1 0,-1 0 0,-1 1 1,0-20-1,-1 13-29,1 12 4,-1 0 0,0 0 0,-1 0 1,-3-18-1,3 25 21,-1 0 0,1 0 1,0 0-1,-1 0 0,1 0 0,-1 1 1,0-1-1,0 0 0,0 1 0,0-1 1,-1 1-1,1 0 0,-1 0 0,1 0 1,-1 0-1,0 0 0,1 0 0,-5-1 1,-5-2 81,0 1 0,-1 0 0,1 1 0,-1 0 0,0 1 0,0 1 0,-1 0 0,-22 1 0,33 0-47,0 0 1,1 0-1,-1 0 0,0 0 0,0 0 0,1 1 1,-1 0-1,0-1 0,0 1 0,1 0 0,-1 0 1,1 1-1,-1-1 0,1 0 0,0 1 0,-1 0 1,1-1-1,-3 4 0,3-2 17,0 1 0,0-1 0,0 1 0,0 0 0,0 0 0,1-1 0,0 1 0,0 0 0,0 0 0,0 1 0,1-1 0,-1 5 0,0 3 13,0-1 1,1 0 0,0 0 0,1 0 0,3 17 0,-2-23-57,0 0 1,-1 1 0,1-1 0,1-1 0,-1 1-1,1 0 1,0-1 0,0 1 0,0-1-1,1 0 1,0 0 0,0 0 0,5 4 0,2 0-5,0 0 0,1 0 0,0-1 0,1-1 0,-1 0 0,1-1 0,0-1 0,21 5 0,-7-3-78,1-2 0,0-1 0,34-1 0,-58-2 31,0 0 1,0 0 0,0 0-1,0-1 1,0 0 0,0 1-1,0-1 1,0 0 0,0-1-1,0 1 1,0-1 0,0 0-1,5-3 1,-6 2-25,0-1 0,0 1 0,0-1 0,0 0 0,0 0 0,-1 0 0,0 0 0,0 0 0,0 0 0,3-9 0,-1 0-546,0 0 0,3-22 0,-4-14-3715</inkml:trace>
+</inkml:ink>
+</file>
+
+<file path=ppt/ink/ink2.xml><?xml version="1.0" encoding="utf-8"?>
+<inkml:ink xmlns:inkml="http://www.w3.org/2003/InkML">
+  <inkml:definitions>
+    <inkml:context xml:id="ctx0">
+      <inkml:inkSource xml:id="inkSrc0">
+        <inkml:traceFormat>
+          <inkml:channel name="X" type="integer" min="-2.14748E9" max="2.14748E9" units="cm"/>
+          <inkml:channel name="Y" type="integer" min="-2.14748E9" max="2.14748E9" units="cm"/>
+          <inkml:channel name="F" type="integer" max="32767" units="dev"/>
+        </inkml:traceFormat>
+        <inkml:channelProperties>
+          <inkml:channelProperty channel="X" name="resolution" value="1000" units="1/cm"/>
+          <inkml:channelProperty channel="Y" name="resolution" value="1000" units="1/cm"/>
+          <inkml:channelProperty channel="F" name="resolution" value="0" units="1/dev"/>
+        </inkml:channelProperties>
+      </inkml:inkSource>
+      <inkml:timestamp xml:id="ts0" timeString="2024-02-09T20:51:30.633"/>
+    </inkml:context>
+    <inkml:brush xml:id="br0">
+      <inkml:brushProperty name="width" value="0.035" units="cm"/>
+      <inkml:brushProperty name="height" value="0.035" units="cm"/>
+    </inkml:brush>
+  </inkml:definitions>
+  <inkml:trace contextRef="#ctx0" brushRef="#br0">0 323 9618,'0'0'4673,"552"-214"-4353,-335 173-160,1 4-160,7 17-32,-15 9-16,-8 11-384,0 16-600,-55 41-1265,-54 0-3872</inkml:trace>
+</inkml:ink>
+</file>
+
+<file path=ppt/ink/ink3.xml><?xml version="1.0" encoding="utf-8"?>
+<inkml:ink xmlns:inkml="http://www.w3.org/2003/InkML">
+  <inkml:definitions>
+    <inkml:context xml:id="ctx0">
+      <inkml:inkSource xml:id="inkSrc0">
+        <inkml:traceFormat>
+          <inkml:channel name="X" type="integer" min="-2.14748E9" max="2.14748E9" units="cm"/>
+          <inkml:channel name="Y" type="integer" min="-2.14748E9" max="2.14748E9" units="cm"/>
+          <inkml:channel name="F" type="integer" max="32767" units="dev"/>
+        </inkml:traceFormat>
+        <inkml:channelProperties>
+          <inkml:channelProperty channel="X" name="resolution" value="1000" units="1/cm"/>
+          <inkml:channelProperty channel="Y" name="resolution" value="1000" units="1/cm"/>
+          <inkml:channelProperty channel="F" name="resolution" value="0" units="1/dev"/>
+        </inkml:channelProperties>
+      </inkml:inkSource>
+      <inkml:timestamp xml:id="ts0" timeString="2024-02-09T20:51:31.189"/>
+    </inkml:context>
+    <inkml:brush xml:id="br0">
+      <inkml:brushProperty name="width" value="0.035" units="cm"/>
+      <inkml:brushProperty name="height" value="0.035" units="cm"/>
+    </inkml:brush>
+  </inkml:definitions>
+  <inkml:trace contextRef="#ctx0" brushRef="#br0">195 552 7218,'0'0'4176,"24"-6"-3654,152-34 73,26-24 127,-199 64-717,-1-1 0,0 0-1,0 0 1,1 0-1,-1 0 1,0 0-1,0-1 1,0 1-1,0-1 1,-1 1-1,1-1 1,0 0-1,0 1 1,-1-1-1,1 0 1,-1 0-1,2-3 1,-2 0 11,0 0 0,0 0 0,0 0 0,0 0 0,-1-1 0,-1-9 0,1 4 19,0 4-15,1 0-6,-1 0 1,0 0-1,-1 0 0,1 0 1,-2 1-1,1-1 0,-1 0 1,0 0-1,-5-11 1,-2 3 4,-1 1 1,-1 0-1,-19-20 1,-43-37 29,66 65-48,-10-10 15,-1 1-1,0 0 1,-38-23 0,45 33 31,0 0 0,0 0 0,0 2 0,-1-1 0,1 1-1,-1 1 1,0 0 0,1 0 0,-21 1 0,25 2-30,0-1 1,1 1-1,-1 0 1,1 1-1,-1-1 0,1 1 1,-1 1-1,1-1 1,0 1-1,0 0 1,0 1-1,0-1 1,1 1-1,-1 0 0,1 1 1,0-1-1,1 1 1,-7 7-1,-1 4-7,1-1-1,1 2 1,0 0-1,1 0 0,-10 29 1,8-16 12,2 1 0,1 0-1,1 1 1,-3 54 0,5 133 71,5-156-86,1-37 16,0-1 0,7 40 0,-5-51-18,1 1-1,0-1 1,1 0-1,1-1 1,13 25-1,-5-18-1,0 0-1,2 0 1,0-2-1,1 0 1,1 0-1,0-2 1,2 0-1,-1-2 1,2 0-1,0-1 1,44 20-1,-26-17-4,1-1 0,0-2 0,1-2-1,1-1 1,0-3 0,48 3 0,-80-9-38,51 3-125,82-4 1,-125-1-167,-1-1 1,0-1 0,1 0 0,-1-1 0,0-1-1,-1-1 1,1 0 0,-1-2 0,18-10-1,24-23-4766</inkml:trace>
+</inkml:ink>
+</file>
+
+<file path=ppt/ink/ink4.xml><?xml version="1.0" encoding="utf-8"?>
+<inkml:ink xmlns:inkml="http://www.w3.org/2003/InkML">
+  <inkml:definitions>
+    <inkml:context xml:id="ctx0">
+      <inkml:inkSource xml:id="inkSrc0">
+        <inkml:traceFormat>
+          <inkml:channel name="X" type="integer" min="-2.14748E9" max="2.14748E9" units="cm"/>
+          <inkml:channel name="Y" type="integer" min="-2.14748E9" max="2.14748E9" units="cm"/>
+          <inkml:channel name="F" type="integer" max="32767" units="dev"/>
+        </inkml:traceFormat>
+        <inkml:channelProperties>
+          <inkml:channelProperty channel="X" name="resolution" value="1000" units="1/cm"/>
+          <inkml:channelProperty channel="Y" name="resolution" value="1000" units="1/cm"/>
+          <inkml:channelProperty channel="F" name="resolution" value="0" units="1/dev"/>
+        </inkml:channelProperties>
+      </inkml:inkSource>
+      <inkml:timestamp xml:id="ts0" timeString="2024-02-09T20:51:31.599"/>
+    </inkml:context>
+    <inkml:brush xml:id="br0">
+      <inkml:brushProperty name="width" value="0.035" units="cm"/>
+      <inkml:brushProperty name="height" value="0.035" units="cm"/>
+    </inkml:brush>
+  </inkml:definitions>
+  <inkml:trace contextRef="#ctx0" brushRef="#br0">86 26 6673,'0'0'5123,"-14"-6"-4600,4 1-505,0 2 0,0-1 1,-17-3-1,27 7-18,-1 0 0,1 0 0,-1-1 0,1 1 0,0 0 0,-1 0 0,1 0 0,-1 0 1,1 0-1,0 1 0,-1-1 0,1 0 0,-1 0 0,1 0 0,0 0 0,-1 0 0,1 0 0,0 1 0,-1-1 0,1 0 0,0 0 0,-1 1 0,1-1 1,0 0-1,-1 0 0,1 1 0,0-1 0,0 0 0,-1 1 0,1-1 0,0 0 0,0 1 0,-1 0 0,1 0 3,0 0 0,1 0 1,-1 0-1,0 0 0,0 0 0,0 0 0,1 0 0,-1 0 0,0 0 1,1 0-1,-1 0 0,1 0 0,-1 0 0,2 0 0,9 14 98,1-1 0,1 0-1,15 12 1,3 4 32,36 36 58,70 73 137,-109-108-251,-2 0 0,36 60 0,-51-72-68,-2 1 0,0 1 0,-1 0 0,-1 0 0,-1 1 0,-1 0 1,-1 0-1,0 0 0,-2 0 0,-1 36 0,-1-49-9,0 0 1,0 0-1,-1 0 1,-1 0-1,0 0 1,0 0-1,0-1 1,-8 17-1,7-18-11,-2-1 0,1 0 0,0 0 0,-1 0-1,0-1 1,0 1 0,-1-1 0,0-1 0,0 1 0,0-1 0,-8 5 0,0-1-124,-1-1-1,-1 0 1,1-1 0,-1-1 0,0 0 0,-31 5 0,0-5-1059,-50-1 0,75-3 628,-74 0-2447</inkml:trace>
+</inkml:ink>
+</file>
+
+<file path=ppt/ink/ink5.xml><?xml version="1.0" encoding="utf-8"?>
+<inkml:ink xmlns:inkml="http://www.w3.org/2003/InkML">
+  <inkml:definitions>
+    <inkml:context xml:id="ctx0">
+      <inkml:inkSource xml:id="inkSrc0">
+        <inkml:traceFormat>
+          <inkml:channel name="X" type="integer" min="-2.14748E9" max="2.14748E9" units="cm"/>
+          <inkml:channel name="Y" type="integer" min="-2.14748E9" max="2.14748E9" units="cm"/>
+          <inkml:channel name="F" type="integer" max="32767" units="dev"/>
+        </inkml:traceFormat>
+        <inkml:channelProperties>
+          <inkml:channelProperty channel="X" name="resolution" value="1000" units="1/cm"/>
+          <inkml:channelProperty channel="Y" name="resolution" value="1000" units="1/cm"/>
+          <inkml:channelProperty channel="F" name="resolution" value="0" units="1/dev"/>
+        </inkml:channelProperties>
+      </inkml:inkSource>
+      <inkml:timestamp xml:id="ts0" timeString="2024-02-09T20:51:31.994"/>
+    </inkml:context>
+    <inkml:brush xml:id="br0">
+      <inkml:brushProperty name="width" value="0.035" units="cm"/>
+      <inkml:brushProperty name="height" value="0.035" units="cm"/>
+    </inkml:brush>
+  </inkml:definitions>
+  <inkml:trace contextRef="#ctx0" brushRef="#br0">0 1114 5281,'0'0'5441,"459"-260"-5441,-374 255-32,8 5-272,1 0-504,-25 15-920,-22 6-3449</inkml:trace>
+  <inkml:trace contextRef="#ctx0" brushRef="#br0" timeOffset="1">1251 1 6809,'0'0'6946,"39"291"-6426,0-114-368,15 26-24,24 15-80,-1 1 40,9-22-72,-8-25 40,-9-37-56,-6-36-40,-1-47-264,-23-36-912,-24-16-3313</inkml:trace>
+</inkml:ink>
+</file>
+
+<file path=ppt/ink/ink6.xml><?xml version="1.0" encoding="utf-8"?>
+<inkml:ink xmlns:inkml="http://www.w3.org/2003/InkML">
+  <inkml:definitions>
+    <inkml:context xml:id="ctx0">
+      <inkml:inkSource xml:id="inkSrc0">
+        <inkml:traceFormat>
+          <inkml:channel name="X" type="integer" min="-2.14748E9" max="2.14748E9" units="cm"/>
+          <inkml:channel name="Y" type="integer" min="-2.14748E9" max="2.14748E9" units="cm"/>
+          <inkml:channel name="F" type="integer" max="32767" units="dev"/>
+        </inkml:traceFormat>
+        <inkml:channelProperties>
+          <inkml:channelProperty channel="X" name="resolution" value="1000" units="1/cm"/>
+          <inkml:channelProperty channel="Y" name="resolution" value="1000" units="1/cm"/>
+          <inkml:channelProperty channel="F" name="resolution" value="0" units="1/dev"/>
+        </inkml:channelProperties>
+      </inkml:inkSource>
+      <inkml:timestamp xml:id="ts0" timeString="2024-02-09T20:51:32.355"/>
+    </inkml:context>
+    <inkml:brush xml:id="br0">
+      <inkml:brushProperty name="width" value="0.035" units="cm"/>
+      <inkml:brushProperty name="height" value="0.035" units="cm"/>
+    </inkml:brush>
+  </inkml:definitions>
+  <inkml:trace contextRef="#ctx0" brushRef="#br0">1 104 9058,'0'0'4857,"427"-93"-4761,-287 82-96,15 11-368,-38 0-968,-40 11-4762</inkml:trace>
+</inkml:ink>
+</file>
+
+<file path=ppt/ink/ink7.xml><?xml version="1.0" encoding="utf-8"?>
+<inkml:ink xmlns:inkml="http://www.w3.org/2003/InkML">
+  <inkml:definitions>
+    <inkml:context xml:id="ctx0">
+      <inkml:inkSource xml:id="inkSrc0">
+        <inkml:traceFormat>
+          <inkml:channel name="X" type="integer" min="-2.14748E9" max="2.14748E9" units="cm"/>
+          <inkml:channel name="Y" type="integer" min="-2.14748E9" max="2.14748E9" units="cm"/>
+          <inkml:channel name="F" type="integer" max="32767" units="dev"/>
+        </inkml:traceFormat>
+        <inkml:channelProperties>
+          <inkml:channelProperty channel="X" name="resolution" value="1000" units="1/cm"/>
+          <inkml:channelProperty channel="Y" name="resolution" value="1000" units="1/cm"/>
+          <inkml:channelProperty channel="F" name="resolution" value="0" units="1/dev"/>
+        </inkml:channelProperties>
+      </inkml:inkSource>
+      <inkml:timestamp xml:id="ts0" timeString="2024-02-09T20:51:33.256"/>
+    </inkml:context>
+    <inkml:brush xml:id="br0">
+      <inkml:brushProperty name="width" value="0.035" units="cm"/>
+      <inkml:brushProperty name="height" value="0.035" units="cm"/>
+    </inkml:brush>
+  </inkml:definitions>
+  <inkml:trace contextRef="#ctx0" brushRef="#br0">0 184 1344,'0'0'10939,"0"-35"-10291,0-103-108,1 127-316,0 12-116,4 20-82,2 8 11,36 82 109,22 58 45,42 105-1,68 179-23,-155-399-169,132 387 43,-121-337-90,-5 1 0,16 136 0,-41-227-10,7 99-1038,-8-113 1097,0 1-61,0-1-1,0 1 1,0-1-1,0 1 1,0-1-1,0 0 1,0 1-1,0-1 1,0 1-1,0-1 1,0 1 0,0-1-1,0 1 1,0-1-1,0 0 1,0 1-1,-1-1 1,1 1-1,0-1 1,0 1-1,0-1 1,-1 0-1,1 1 1,0-1-1,-1 0 1,1 1 0,0-1-1,-1 0 1,1 0-1,0 1 1,-1-1-1,0 0 1,-24 2-3805</inkml:trace>
+</inkml:ink>
+</file>
+
+<file path=ppt/ink/ink8.xml><?xml version="1.0" encoding="utf-8"?>
+<inkml:ink xmlns:inkml="http://www.w3.org/2003/InkML">
+  <inkml:definitions>
+    <inkml:context xml:id="ctx0">
+      <inkml:inkSource xml:id="inkSrc0">
+        <inkml:traceFormat>
+          <inkml:channel name="X" type="integer" min="-2.14748E9" max="2.14748E9" units="cm"/>
+          <inkml:channel name="Y" type="integer" min="-2.14748E9" max="2.14748E9" units="cm"/>
+          <inkml:channel name="F" type="integer" max="32767" units="dev"/>
+        </inkml:traceFormat>
+        <inkml:channelProperties>
+          <inkml:channelProperty channel="X" name="resolution" value="1000" units="1/cm"/>
+          <inkml:channelProperty channel="Y" name="resolution" value="1000" units="1/cm"/>
+          <inkml:channelProperty channel="F" name="resolution" value="0" units="1/dev"/>
+        </inkml:channelProperties>
+      </inkml:inkSource>
+      <inkml:timestamp xml:id="ts0" timeString="2024-02-09T20:51:33.654"/>
+    </inkml:context>
+    <inkml:brush xml:id="br0">
+      <inkml:brushProperty name="width" value="0.035" units="cm"/>
+      <inkml:brushProperty name="height" value="0.035" units="cm"/>
+    </inkml:brush>
+  </inkml:definitions>
+  <inkml:trace contextRef="#ctx0" brushRef="#br0">0 255 6793,'0'0'6194,"474"-130"-5762,-256 94-40,15 0-48,15 10-208,-7 10-136,-8 6-80,55 10-456,-63 5-888,-54 26-1673</inkml:trace>
+</inkml:ink>
+</file>
+
+<file path=ppt/ink/ink9.xml><?xml version="1.0" encoding="utf-8"?>
+<inkml:ink xmlns:inkml="http://www.w3.org/2003/InkML">
+  <inkml:definitions>
+    <inkml:context xml:id="ctx0">
+      <inkml:inkSource xml:id="inkSrc0">
+        <inkml:traceFormat>
+          <inkml:channel name="X" type="integer" min="-2.14748E9" max="2.14748E9" units="cm"/>
+          <inkml:channel name="Y" type="integer" min="-2.14748E9" max="2.14748E9" units="cm"/>
+          <inkml:channel name="F" type="integer" max="32767" units="dev"/>
+        </inkml:traceFormat>
+        <inkml:channelProperties>
+          <inkml:channelProperty channel="X" name="resolution" value="1000" units="1/cm"/>
+          <inkml:channelProperty channel="Y" name="resolution" value="1000" units="1/cm"/>
+          <inkml:channelProperty channel="F" name="resolution" value="0" units="1/dev"/>
+        </inkml:channelProperties>
+      </inkml:inkSource>
+      <inkml:timestamp xml:id="ts0" timeString="2024-02-09T20:51:34.081"/>
+    </inkml:context>
+    <inkml:brush xml:id="br0">
+      <inkml:brushProperty name="width" value="0.035" units="cm"/>
+      <inkml:brushProperty name="height" value="0.035" units="cm"/>
+    </inkml:brush>
+  </inkml:definitions>
+  <inkml:trace contextRef="#ctx0" brushRef="#br0">0 421 6785,'0'0'3491,"17"61"-3010,57 201 171,-12-75 437,-38-122-611,-19-48-349,52 136 1196,-55-150-775,-1-4-329,-1-13-256,-1-1 91,1-684-255,0 654 30,2 0-1,14-87 0,-13 119 101,-1 1 0,2 0-1,0-1 1,0 1 0,1 0 0,1 1-1,0-1 1,0 1 0,1 1-1,1-1 1,0 1 0,0 0-1,1 1 1,19-17 0,-22 22-19,1 0-1,0 0 1,0 0 0,1 1 0,-1 0 0,1 1-1,-1-1 1,1 1 0,15-1 0,-3 2-269,1 0 1,26 3 0,-24 0-281,0 1 1,41 11-1,44 27-1798,-107-41 2418</inkml:trace>
+</inkml:ink>
+</file>
+
 <file path=ppt/slideLayouts/slideLayout1.xml><?xml version="1.0" encoding="utf-8"?>
 <p:sldLayout xmlns:a="http://schemas.openxmlformats.org/drawingml/2006/main" xmlns:r="http://schemas.openxmlformats.org/officeDocument/2006/relationships" xmlns:p="http://schemas.openxmlformats.org/presentationml/2006/main" type="title" preserve="1">
   <p:cSld name="Title Slide">
@@ -262,7 +638,7 @@
           <a:p>
             <a:fld id="{732A676D-6F31-C541-95BA-06C4EF8EFBC9}" type="datetimeFigureOut">
               <a:rPr lang="en-US" smtClean="0"/>
-              <a:t>2/7/24</a:t>
+              <a:t>2/9/2024</a:t>
             </a:fld>
             <a:endParaRPr lang="en-US"/>
           </a:p>
@@ -462,7 +838,7 @@
           <a:p>
             <a:fld id="{732A676D-6F31-C541-95BA-06C4EF8EFBC9}" type="datetimeFigureOut">
               <a:rPr lang="en-US" smtClean="0"/>
-              <a:t>2/7/24</a:t>
+              <a:t>2/9/2024</a:t>
             </a:fld>
             <a:endParaRPr lang="en-US"/>
           </a:p>
@@ -672,7 +1048,7 @@
           <a:p>
             <a:fld id="{732A676D-6F31-C541-95BA-06C4EF8EFBC9}" type="datetimeFigureOut">
               <a:rPr lang="en-US" smtClean="0"/>
-              <a:t>2/7/24</a:t>
+              <a:t>2/9/2024</a:t>
             </a:fld>
             <a:endParaRPr lang="en-US"/>
           </a:p>
@@ -872,7 +1248,7 @@
           <a:p>
             <a:fld id="{732A676D-6F31-C541-95BA-06C4EF8EFBC9}" type="datetimeFigureOut">
               <a:rPr lang="en-US" smtClean="0"/>
-              <a:t>2/7/24</a:t>
+              <a:t>2/9/2024</a:t>
             </a:fld>
             <a:endParaRPr lang="en-US"/>
           </a:p>
@@ -1148,7 +1524,7 @@
           <a:p>
             <a:fld id="{732A676D-6F31-C541-95BA-06C4EF8EFBC9}" type="datetimeFigureOut">
               <a:rPr lang="en-US" smtClean="0"/>
-              <a:t>2/7/24</a:t>
+              <a:t>2/9/2024</a:t>
             </a:fld>
             <a:endParaRPr lang="en-US"/>
           </a:p>
@@ -1416,7 +1792,7 @@
           <a:p>
             <a:fld id="{732A676D-6F31-C541-95BA-06C4EF8EFBC9}" type="datetimeFigureOut">
               <a:rPr lang="en-US" smtClean="0"/>
-              <a:t>2/7/24</a:t>
+              <a:t>2/9/2024</a:t>
             </a:fld>
             <a:endParaRPr lang="en-US"/>
           </a:p>
@@ -1831,7 +2207,7 @@
           <a:p>
             <a:fld id="{732A676D-6F31-C541-95BA-06C4EF8EFBC9}" type="datetimeFigureOut">
               <a:rPr lang="en-US" smtClean="0"/>
-              <a:t>2/7/24</a:t>
+              <a:t>2/9/2024</a:t>
             </a:fld>
             <a:endParaRPr lang="en-US"/>
           </a:p>
@@ -1973,7 +2349,7 @@
           <a:p>
             <a:fld id="{732A676D-6F31-C541-95BA-06C4EF8EFBC9}" type="datetimeFigureOut">
               <a:rPr lang="en-US" smtClean="0"/>
-              <a:t>2/7/24</a:t>
+              <a:t>2/9/2024</a:t>
             </a:fld>
             <a:endParaRPr lang="en-US"/>
           </a:p>
@@ -2086,7 +2462,7 @@
           <a:p>
             <a:fld id="{732A676D-6F31-C541-95BA-06C4EF8EFBC9}" type="datetimeFigureOut">
               <a:rPr lang="en-US" smtClean="0"/>
-              <a:t>2/7/24</a:t>
+              <a:t>2/9/2024</a:t>
             </a:fld>
             <a:endParaRPr lang="en-US"/>
           </a:p>
@@ -2399,7 +2775,7 @@
           <a:p>
             <a:fld id="{732A676D-6F31-C541-95BA-06C4EF8EFBC9}" type="datetimeFigureOut">
               <a:rPr lang="en-US" smtClean="0"/>
-              <a:t>2/7/24</a:t>
+              <a:t>2/9/2024</a:t>
             </a:fld>
             <a:endParaRPr lang="en-US"/>
           </a:p>
@@ -2688,7 +3064,7 @@
           <a:p>
             <a:fld id="{732A676D-6F31-C541-95BA-06C4EF8EFBC9}" type="datetimeFigureOut">
               <a:rPr lang="en-US" smtClean="0"/>
-              <a:t>2/7/24</a:t>
+              <a:t>2/9/2024</a:t>
             </a:fld>
             <a:endParaRPr lang="en-US"/>
           </a:p>
@@ -2931,7 +3307,7 @@
           <a:p>
             <a:fld id="{732A676D-6F31-C541-95BA-06C4EF8EFBC9}" type="datetimeFigureOut">
               <a:rPr lang="en-US" smtClean="0"/>
-              <a:t>2/7/24</a:t>
+              <a:t>2/9/2024</a:t>
             </a:fld>
             <a:endParaRPr lang="en-US"/>
           </a:p>
@@ -3370,10 +3746,9 @@
           <a:lstStyle/>
           <a:p>
             <a:r>
-              <a:rPr lang="en-US"/>
-              <a:t>Fake News Model</a:t>
-            </a:r>
-            <a:endParaRPr lang="en-US" dirty="0"/>
+              <a:rPr lang="en-US" dirty="0"/>
+              <a:t>News Reliability Model</a:t>
+            </a:r>
           </a:p>
         </p:txBody>
       </p:sp>
@@ -3398,7 +3773,11 @@
           <a:bodyPr/>
           <a:lstStyle/>
           <a:p>
-            <a:endParaRPr lang="en-US"/>
+            <a:r>
+              <a:rPr lang="en-GB" dirty="0"/>
+              <a:t>Raum</a:t>
+            </a:r>
+            <a:endParaRPr lang="en-US" dirty="0"/>
           </a:p>
         </p:txBody>
       </p:sp>
@@ -3406,6 +3785,1489 @@
     <p:extLst>
       <p:ext uri="{BB962C8B-B14F-4D97-AF65-F5344CB8AC3E}">
         <p14:creationId xmlns:p14="http://schemas.microsoft.com/office/powerpoint/2010/main" val="3443131019"/>
+      </p:ext>
+    </p:extLst>
+  </p:cSld>
+  <p:clrMapOvr>
+    <a:masterClrMapping/>
+  </p:clrMapOvr>
+</p:sld>
+</file>
+
+<file path=ppt/slides/slide10.xml><?xml version="1.0" encoding="utf-8"?>
+<p:sld xmlns:a="http://schemas.openxmlformats.org/drawingml/2006/main" xmlns:r="http://schemas.openxmlformats.org/officeDocument/2006/relationships" xmlns:p="http://schemas.openxmlformats.org/presentationml/2006/main">
+  <p:cSld>
+    <p:bg>
+      <p:bgPr>
+        <a:solidFill>
+          <a:schemeClr val="bg1"/>
+        </a:solidFill>
+        <a:effectLst/>
+      </p:bgPr>
+    </p:bg>
+    <p:spTree>
+      <p:nvGrpSpPr>
+        <p:cNvPr id="1" name=""/>
+        <p:cNvGrpSpPr/>
+        <p:nvPr/>
+      </p:nvGrpSpPr>
+      <p:grpSpPr>
+        <a:xfrm>
+          <a:off x="0" y="0"/>
+          <a:ext cx="0" cy="0"/>
+          <a:chOff x="0" y="0"/>
+          <a:chExt cx="0" cy="0"/>
+        </a:xfrm>
+      </p:grpSpPr>
+      <p:sp useBgFill="1">
+        <p:nvSpPr>
+          <p:cNvPr id="12" name="Rectangle 11">
+            <a:extLst>
+              <a:ext uri="{FF2B5EF4-FFF2-40B4-BE49-F238E27FC236}">
+                <a16:creationId xmlns:a16="http://schemas.microsoft.com/office/drawing/2014/main" id="{99ED5833-B85B-4103-8A3B-CAB0308E6C15}"/>
+              </a:ext>
+              <a:ext uri="{C183D7F6-B498-43B3-948B-1728B52AA6E4}">
+                <adec:decorative xmlns:adec="http://schemas.microsoft.com/office/drawing/2017/decorative" val="1"/>
+              </a:ext>
+            </a:extLst>
+          </p:cNvPr>
+          <p:cNvSpPr>
+            <a:spLocks noGrp="1" noRot="1" noChangeAspect="1" noMove="1" noResize="1" noEditPoints="1" noAdjustHandles="1" noChangeArrowheads="1" noChangeShapeType="1" noTextEdit="1"/>
+          </p:cNvSpPr>
+          <p:nvPr>
+            <p:extLst>
+              <p:ext uri="{386F3935-93C4-4BCD-93E2-E3B085C9AB24}">
+                <p16:designElem xmlns:p16="http://schemas.microsoft.com/office/powerpoint/2015/main" val="1"/>
+              </p:ext>
+            </p:extLst>
+          </p:nvPr>
+        </p:nvSpPr>
+        <p:spPr>
+          <a:xfrm>
+            <a:off x="-1" y="0"/>
+            <a:ext cx="12188952" cy="6858000"/>
+          </a:xfrm>
+          <a:prstGeom prst="rect">
+            <a:avLst/>
+          </a:prstGeom>
+          <a:ln>
+            <a:noFill/>
+          </a:ln>
+        </p:spPr>
+        <p:style>
+          <a:lnRef idx="2">
+            <a:schemeClr val="accent1">
+              <a:shade val="50000"/>
+            </a:schemeClr>
+          </a:lnRef>
+          <a:fillRef idx="1">
+            <a:schemeClr val="accent1"/>
+          </a:fillRef>
+          <a:effectRef idx="0">
+            <a:schemeClr val="accent1"/>
+          </a:effectRef>
+          <a:fontRef idx="minor">
+            <a:schemeClr val="lt1"/>
+          </a:fontRef>
+        </p:style>
+        <p:txBody>
+          <a:bodyPr rtlCol="0" anchor="ctr"/>
+          <a:lstStyle/>
+          <a:p>
+            <a:pPr algn="ctr"/>
+            <a:endParaRPr lang="en-US"/>
+          </a:p>
+        </p:txBody>
+      </p:sp>
+      <p:sp>
+        <p:nvSpPr>
+          <p:cNvPr id="2" name="Title 1">
+            <a:extLst>
+              <a:ext uri="{FF2B5EF4-FFF2-40B4-BE49-F238E27FC236}">
+                <a16:creationId xmlns:a16="http://schemas.microsoft.com/office/drawing/2014/main" id="{CDA64EB1-EBEF-81AE-D3AD-A0D094932CC6}"/>
+              </a:ext>
+            </a:extLst>
+          </p:cNvPr>
+          <p:cNvSpPr>
+            <a:spLocks noGrp="1"/>
+          </p:cNvSpPr>
+          <p:nvPr>
+            <p:ph type="title"/>
+          </p:nvPr>
+        </p:nvSpPr>
+        <p:spPr>
+          <a:xfrm>
+            <a:off x="1198181" y="560881"/>
+            <a:ext cx="9795638" cy="1114380"/>
+          </a:xfrm>
+        </p:spPr>
+        <p:txBody>
+          <a:bodyPr vert="horz" lIns="91440" tIns="45720" rIns="91440" bIns="45720" rtlCol="0" anchor="b">
+            <a:normAutofit/>
+          </a:bodyPr>
+          <a:lstStyle/>
+          <a:p>
+            <a:pPr algn="ctr"/>
+            <a:r>
+              <a:rPr lang="en-US" sz="4000" b="1" dirty="0"/>
+              <a:t>2. Plotting Word Frequency</a:t>
+            </a:r>
+          </a:p>
+        </p:txBody>
+      </p:sp>
+      <p:pic>
+        <p:nvPicPr>
+          <p:cNvPr id="7" name="Picture 6" descr="A graph of blue bars with white text&#10;&#10;Description automatically generated">
+            <a:extLst>
+              <a:ext uri="{FF2B5EF4-FFF2-40B4-BE49-F238E27FC236}">
+                <a16:creationId xmlns:a16="http://schemas.microsoft.com/office/drawing/2014/main" id="{07C8983E-9B03-A15C-25BD-F5FBA660DAE5}"/>
+              </a:ext>
+            </a:extLst>
+          </p:cNvPr>
+          <p:cNvPicPr>
+            <a:picLocks noChangeAspect="1"/>
+          </p:cNvPicPr>
+          <p:nvPr/>
+        </p:nvPicPr>
+        <p:blipFill>
+          <a:blip r:embed="rId2"/>
+          <a:stretch>
+            <a:fillRect/>
+          </a:stretch>
+        </p:blipFill>
+        <p:spPr>
+          <a:xfrm>
+            <a:off x="283284" y="2957665"/>
+            <a:ext cx="5624161" cy="3346376"/>
+          </a:xfrm>
+          <a:prstGeom prst="rect">
+            <a:avLst/>
+          </a:prstGeom>
+        </p:spPr>
+      </p:pic>
+      <p:pic>
+        <p:nvPicPr>
+          <p:cNvPr id="5" name="Picture 4" descr="A graph of blue columns&#10;&#10;Description automatically generated with medium confidence">
+            <a:extLst>
+              <a:ext uri="{FF2B5EF4-FFF2-40B4-BE49-F238E27FC236}">
+                <a16:creationId xmlns:a16="http://schemas.microsoft.com/office/drawing/2014/main" id="{603B59C4-2DEB-7775-FA8C-E39E225A64E8}"/>
+              </a:ext>
+            </a:extLst>
+          </p:cNvPr>
+          <p:cNvPicPr>
+            <a:picLocks noChangeAspect="1"/>
+          </p:cNvPicPr>
+          <p:nvPr/>
+        </p:nvPicPr>
+        <p:blipFill>
+          <a:blip r:embed="rId3"/>
+          <a:stretch>
+            <a:fillRect/>
+          </a:stretch>
+        </p:blipFill>
+        <p:spPr>
+          <a:xfrm>
+            <a:off x="6186743" y="2957665"/>
+            <a:ext cx="5819785" cy="3346376"/>
+          </a:xfrm>
+          <a:prstGeom prst="rect">
+            <a:avLst/>
+          </a:prstGeom>
+        </p:spPr>
+      </p:pic>
+    </p:spTree>
+    <p:extLst>
+      <p:ext uri="{BB962C8B-B14F-4D97-AF65-F5344CB8AC3E}">
+        <p14:creationId xmlns:p14="http://schemas.microsoft.com/office/powerpoint/2010/main" val="3183790353"/>
+      </p:ext>
+    </p:extLst>
+  </p:cSld>
+  <p:clrMapOvr>
+    <a:masterClrMapping/>
+  </p:clrMapOvr>
+</p:sld>
+</file>
+
+<file path=ppt/slides/slide11.xml><?xml version="1.0" encoding="utf-8"?>
+<p:sld xmlns:a="http://schemas.openxmlformats.org/drawingml/2006/main" xmlns:r="http://schemas.openxmlformats.org/officeDocument/2006/relationships" xmlns:p="http://schemas.openxmlformats.org/presentationml/2006/main">
+  <p:cSld>
+    <p:bg>
+      <p:bgPr>
+        <a:solidFill>
+          <a:schemeClr val="bg1"/>
+        </a:solidFill>
+        <a:effectLst/>
+      </p:bgPr>
+    </p:bg>
+    <p:spTree>
+      <p:nvGrpSpPr>
+        <p:cNvPr id="1" name=""/>
+        <p:cNvGrpSpPr/>
+        <p:nvPr/>
+      </p:nvGrpSpPr>
+      <p:grpSpPr>
+        <a:xfrm>
+          <a:off x="0" y="0"/>
+          <a:ext cx="0" cy="0"/>
+          <a:chOff x="0" y="0"/>
+          <a:chExt cx="0" cy="0"/>
+        </a:xfrm>
+      </p:grpSpPr>
+      <p:sp useBgFill="1">
+        <p:nvSpPr>
+          <p:cNvPr id="13" name="Rectangle 12">
+            <a:extLst>
+              <a:ext uri="{FF2B5EF4-FFF2-40B4-BE49-F238E27FC236}">
+                <a16:creationId xmlns:a16="http://schemas.microsoft.com/office/drawing/2014/main" id="{99ED5833-B85B-4103-8A3B-CAB0308E6C15}"/>
+              </a:ext>
+              <a:ext uri="{C183D7F6-B498-43B3-948B-1728B52AA6E4}">
+                <adec:decorative xmlns:adec="http://schemas.microsoft.com/office/drawing/2017/decorative" val="1"/>
+              </a:ext>
+            </a:extLst>
+          </p:cNvPr>
+          <p:cNvSpPr>
+            <a:spLocks noGrp="1" noRot="1" noChangeAspect="1" noMove="1" noResize="1" noEditPoints="1" noAdjustHandles="1" noChangeArrowheads="1" noChangeShapeType="1" noTextEdit="1"/>
+          </p:cNvSpPr>
+          <p:nvPr>
+            <p:extLst>
+              <p:ext uri="{386F3935-93C4-4BCD-93E2-E3B085C9AB24}">
+                <p16:designElem xmlns:p16="http://schemas.microsoft.com/office/powerpoint/2015/main" val="1"/>
+              </p:ext>
+            </p:extLst>
+          </p:nvPr>
+        </p:nvSpPr>
+        <p:spPr>
+          <a:xfrm>
+            <a:off x="-1" y="0"/>
+            <a:ext cx="12188952" cy="6858000"/>
+          </a:xfrm>
+          <a:prstGeom prst="rect">
+            <a:avLst/>
+          </a:prstGeom>
+          <a:ln>
+            <a:noFill/>
+          </a:ln>
+        </p:spPr>
+        <p:style>
+          <a:lnRef idx="2">
+            <a:schemeClr val="accent1">
+              <a:shade val="50000"/>
+            </a:schemeClr>
+          </a:lnRef>
+          <a:fillRef idx="1">
+            <a:schemeClr val="accent1"/>
+          </a:fillRef>
+          <a:effectRef idx="0">
+            <a:schemeClr val="accent1"/>
+          </a:effectRef>
+          <a:fontRef idx="minor">
+            <a:schemeClr val="lt1"/>
+          </a:fontRef>
+        </p:style>
+        <p:txBody>
+          <a:bodyPr rtlCol="0" anchor="ctr"/>
+          <a:lstStyle/>
+          <a:p>
+            <a:pPr algn="ctr"/>
+            <a:endParaRPr lang="en-US"/>
+          </a:p>
+        </p:txBody>
+      </p:sp>
+      <p:sp>
+        <p:nvSpPr>
+          <p:cNvPr id="2" name="Title 1">
+            <a:extLst>
+              <a:ext uri="{FF2B5EF4-FFF2-40B4-BE49-F238E27FC236}">
+                <a16:creationId xmlns:a16="http://schemas.microsoft.com/office/drawing/2014/main" id="{C1A93DAF-F245-3264-F9BD-750A32B940B3}"/>
+              </a:ext>
+            </a:extLst>
+          </p:cNvPr>
+          <p:cNvSpPr>
+            <a:spLocks noGrp="1"/>
+          </p:cNvSpPr>
+          <p:nvPr>
+            <p:ph type="title"/>
+          </p:nvPr>
+        </p:nvSpPr>
+        <p:spPr>
+          <a:xfrm>
+            <a:off x="1198181" y="560881"/>
+            <a:ext cx="9795638" cy="1114380"/>
+          </a:xfrm>
+        </p:spPr>
+        <p:txBody>
+          <a:bodyPr vert="horz" lIns="91440" tIns="45720" rIns="91440" bIns="45720" rtlCol="0" anchor="b">
+            <a:normAutofit/>
+          </a:bodyPr>
+          <a:lstStyle/>
+          <a:p>
+            <a:pPr algn="ctr"/>
+            <a:r>
+              <a:rPr lang="en-US" sz="4000" b="1" dirty="0"/>
+              <a:t>3. N-gram analysis (bigrams)</a:t>
+            </a:r>
+          </a:p>
+        </p:txBody>
+      </p:sp>
+      <p:pic>
+        <p:nvPicPr>
+          <p:cNvPr id="6" name="Picture 5">
+            <a:extLst>
+              <a:ext uri="{FF2B5EF4-FFF2-40B4-BE49-F238E27FC236}">
+                <a16:creationId xmlns:a16="http://schemas.microsoft.com/office/drawing/2014/main" id="{508F1A47-96D0-5725-76FE-0201A7FF60A8}"/>
+              </a:ext>
+            </a:extLst>
+          </p:cNvPr>
+          <p:cNvPicPr>
+            <a:picLocks noChangeAspect="1"/>
+          </p:cNvPicPr>
+          <p:nvPr/>
+        </p:nvPicPr>
+        <p:blipFill>
+          <a:blip r:embed="rId2"/>
+          <a:stretch>
+            <a:fillRect/>
+          </a:stretch>
+        </p:blipFill>
+        <p:spPr>
+          <a:xfrm>
+            <a:off x="334393" y="2625067"/>
+            <a:ext cx="5760082" cy="3672052"/>
+          </a:xfrm>
+          <a:prstGeom prst="rect">
+            <a:avLst/>
+          </a:prstGeom>
+        </p:spPr>
+      </p:pic>
+      <p:pic>
+        <p:nvPicPr>
+          <p:cNvPr id="8" name="Picture 7">
+            <a:extLst>
+              <a:ext uri="{FF2B5EF4-FFF2-40B4-BE49-F238E27FC236}">
+                <a16:creationId xmlns:a16="http://schemas.microsoft.com/office/drawing/2014/main" id="{213D83E2-824B-E790-27E8-8CBBA3F7F8F0}"/>
+              </a:ext>
+            </a:extLst>
+          </p:cNvPr>
+          <p:cNvPicPr>
+            <a:picLocks noChangeAspect="1"/>
+          </p:cNvPicPr>
+          <p:nvPr/>
+        </p:nvPicPr>
+        <p:blipFill>
+          <a:blip r:embed="rId3"/>
+          <a:stretch>
+            <a:fillRect/>
+          </a:stretch>
+        </p:blipFill>
+        <p:spPr>
+          <a:xfrm>
+            <a:off x="6238905" y="2625067"/>
+            <a:ext cx="5805615" cy="3672052"/>
+          </a:xfrm>
+          <a:prstGeom prst="rect">
+            <a:avLst/>
+          </a:prstGeom>
+        </p:spPr>
+      </p:pic>
+    </p:spTree>
+    <p:extLst>
+      <p:ext uri="{BB962C8B-B14F-4D97-AF65-F5344CB8AC3E}">
+        <p14:creationId xmlns:p14="http://schemas.microsoft.com/office/powerpoint/2010/main" val="2959562787"/>
+      </p:ext>
+    </p:extLst>
+  </p:cSld>
+  <p:clrMapOvr>
+    <a:masterClrMapping/>
+  </p:clrMapOvr>
+</p:sld>
+</file>
+
+<file path=ppt/slides/slide12.xml><?xml version="1.0" encoding="utf-8"?>
+<p:sld xmlns:a="http://schemas.openxmlformats.org/drawingml/2006/main" xmlns:r="http://schemas.openxmlformats.org/officeDocument/2006/relationships" xmlns:p="http://schemas.openxmlformats.org/presentationml/2006/main">
+  <p:cSld>
+    <p:spTree>
+      <p:nvGrpSpPr>
+        <p:cNvPr id="1" name=""/>
+        <p:cNvGrpSpPr/>
+        <p:nvPr/>
+      </p:nvGrpSpPr>
+      <p:grpSpPr>
+        <a:xfrm>
+          <a:off x="0" y="0"/>
+          <a:ext cx="0" cy="0"/>
+          <a:chOff x="0" y="0"/>
+          <a:chExt cx="0" cy="0"/>
+        </a:xfrm>
+      </p:grpSpPr>
+      <p:sp>
+        <p:nvSpPr>
+          <p:cNvPr id="2" name="Title 1">
+            <a:extLst>
+              <a:ext uri="{FF2B5EF4-FFF2-40B4-BE49-F238E27FC236}">
+                <a16:creationId xmlns:a16="http://schemas.microsoft.com/office/drawing/2014/main" id="{4D7700E7-836B-86C2-91A2-4E83F2C333DB}"/>
+              </a:ext>
+            </a:extLst>
+          </p:cNvPr>
+          <p:cNvSpPr>
+            <a:spLocks noGrp="1"/>
+          </p:cNvSpPr>
+          <p:nvPr>
+            <p:ph type="title"/>
+          </p:nvPr>
+        </p:nvSpPr>
+        <p:spPr/>
+        <p:txBody>
+          <a:bodyPr>
+            <a:normAutofit/>
+          </a:bodyPr>
+          <a:lstStyle/>
+          <a:p>
+            <a:pPr algn="ctr"/>
+            <a:r>
+              <a:rPr lang="en-GB" sz="4000" b="1" dirty="0"/>
+              <a:t>4. Sentiment Analysis</a:t>
+            </a:r>
+            <a:endParaRPr lang="en-US" sz="4000" b="1" dirty="0"/>
+          </a:p>
+        </p:txBody>
+      </p:sp>
+      <p:sp>
+        <p:nvSpPr>
+          <p:cNvPr id="3" name="Content Placeholder 2">
+            <a:extLst>
+              <a:ext uri="{FF2B5EF4-FFF2-40B4-BE49-F238E27FC236}">
+                <a16:creationId xmlns:a16="http://schemas.microsoft.com/office/drawing/2014/main" id="{59683798-7044-B18A-BC6B-7AFE38EC34D4}"/>
+              </a:ext>
+            </a:extLst>
+          </p:cNvPr>
+          <p:cNvSpPr>
+            <a:spLocks noGrp="1"/>
+          </p:cNvSpPr>
+          <p:nvPr>
+            <p:ph idx="1"/>
+          </p:nvPr>
+        </p:nvSpPr>
+        <p:spPr/>
+        <p:txBody>
+          <a:bodyPr>
+            <a:normAutofit/>
+          </a:bodyPr>
+          <a:lstStyle/>
+          <a:p>
+            <a:pPr marL="0" indent="0">
+              <a:buNone/>
+            </a:pPr>
+            <a:r>
+              <a:rPr lang="en-GB" sz="2400" dirty="0"/>
+              <a:t>I used sentiment polarity (a part of sentiment analysis) to determine the degree of positivity or negativity expressed in each text, a numerical measure.</a:t>
+            </a:r>
+          </a:p>
+          <a:p>
+            <a:pPr marL="0" indent="0">
+              <a:buNone/>
+            </a:pPr>
+            <a:endParaRPr lang="en-GB" sz="2400" dirty="0"/>
+          </a:p>
+          <a:p>
+            <a:pPr marL="0" indent="0">
+              <a:buNone/>
+            </a:pPr>
+            <a:r>
+              <a:rPr lang="en-GB" sz="2400" dirty="0"/>
+              <a:t>This is equivalent to a human analysing the tone or mood within a text through language choice among other things. </a:t>
+            </a:r>
+          </a:p>
+          <a:p>
+            <a:pPr marL="0" indent="0">
+              <a:buNone/>
+            </a:pPr>
+            <a:endParaRPr lang="en-GB" sz="2400" dirty="0"/>
+          </a:p>
+          <a:p>
+            <a:pPr marL="0" indent="0">
+              <a:buNone/>
+            </a:pPr>
+            <a:r>
+              <a:rPr lang="en-US" sz="2400" dirty="0"/>
+              <a:t>The </a:t>
+            </a:r>
+            <a:r>
+              <a:rPr lang="en-US" sz="2400" i="1" dirty="0" err="1"/>
+              <a:t>TextBlob</a:t>
+            </a:r>
+            <a:r>
+              <a:rPr lang="en-US" sz="2400" dirty="0"/>
+              <a:t> library analyses the sentiment of a given text and outputs the numerical value for sentiment polarity. </a:t>
+            </a:r>
+          </a:p>
+        </p:txBody>
+      </p:sp>
+    </p:spTree>
+    <p:extLst>
+      <p:ext uri="{BB962C8B-B14F-4D97-AF65-F5344CB8AC3E}">
+        <p14:creationId xmlns:p14="http://schemas.microsoft.com/office/powerpoint/2010/main" val="1221655863"/>
+      </p:ext>
+    </p:extLst>
+  </p:cSld>
+  <p:clrMapOvr>
+    <a:masterClrMapping/>
+  </p:clrMapOvr>
+</p:sld>
+</file>
+
+<file path=ppt/slides/slide13.xml><?xml version="1.0" encoding="utf-8"?>
+<p:sld xmlns:a="http://schemas.openxmlformats.org/drawingml/2006/main" xmlns:r="http://schemas.openxmlformats.org/officeDocument/2006/relationships" xmlns:p="http://schemas.openxmlformats.org/presentationml/2006/main">
+  <p:cSld>
+    <p:spTree>
+      <p:nvGrpSpPr>
+        <p:cNvPr id="1" name=""/>
+        <p:cNvGrpSpPr/>
+        <p:nvPr/>
+      </p:nvGrpSpPr>
+      <p:grpSpPr>
+        <a:xfrm>
+          <a:off x="0" y="0"/>
+          <a:ext cx="0" cy="0"/>
+          <a:chOff x="0" y="0"/>
+          <a:chExt cx="0" cy="0"/>
+        </a:xfrm>
+      </p:grpSpPr>
+      <p:pic>
+        <p:nvPicPr>
+          <p:cNvPr id="5" name="Picture 4">
+            <a:extLst>
+              <a:ext uri="{FF2B5EF4-FFF2-40B4-BE49-F238E27FC236}">
+                <a16:creationId xmlns:a16="http://schemas.microsoft.com/office/drawing/2014/main" id="{2E7E0FE2-84F8-A1FB-EB56-E5F1CE6049A4}"/>
+              </a:ext>
+            </a:extLst>
+          </p:cNvPr>
+          <p:cNvPicPr>
+            <a:picLocks noChangeAspect="1"/>
+          </p:cNvPicPr>
+          <p:nvPr/>
+        </p:nvPicPr>
+        <p:blipFill>
+          <a:blip r:embed="rId2"/>
+          <a:stretch>
+            <a:fillRect/>
+          </a:stretch>
+        </p:blipFill>
+        <p:spPr>
+          <a:xfrm>
+            <a:off x="1189193" y="613238"/>
+            <a:ext cx="9813613" cy="5836990"/>
+          </a:xfrm>
+          <a:prstGeom prst="rect">
+            <a:avLst/>
+          </a:prstGeom>
+        </p:spPr>
+      </p:pic>
+    </p:spTree>
+    <p:extLst>
+      <p:ext uri="{BB962C8B-B14F-4D97-AF65-F5344CB8AC3E}">
+        <p14:creationId xmlns:p14="http://schemas.microsoft.com/office/powerpoint/2010/main" val="3017471203"/>
+      </p:ext>
+    </p:extLst>
+  </p:cSld>
+  <p:clrMapOvr>
+    <a:masterClrMapping/>
+  </p:clrMapOvr>
+</p:sld>
+</file>
+
+<file path=ppt/slides/slide14.xml><?xml version="1.0" encoding="utf-8"?>
+<p:sld xmlns:a="http://schemas.openxmlformats.org/drawingml/2006/main" xmlns:r="http://schemas.openxmlformats.org/officeDocument/2006/relationships" xmlns:p="http://schemas.openxmlformats.org/presentationml/2006/main">
+  <p:cSld>
+    <p:spTree>
+      <p:nvGrpSpPr>
+        <p:cNvPr id="1" name=""/>
+        <p:cNvGrpSpPr/>
+        <p:nvPr/>
+      </p:nvGrpSpPr>
+      <p:grpSpPr>
+        <a:xfrm>
+          <a:off x="0" y="0"/>
+          <a:ext cx="0" cy="0"/>
+          <a:chOff x="0" y="0"/>
+          <a:chExt cx="0" cy="0"/>
+        </a:xfrm>
+      </p:grpSpPr>
+      <p:sp>
+        <p:nvSpPr>
+          <p:cNvPr id="2" name="Title 1">
+            <a:extLst>
+              <a:ext uri="{FF2B5EF4-FFF2-40B4-BE49-F238E27FC236}">
+                <a16:creationId xmlns:a16="http://schemas.microsoft.com/office/drawing/2014/main" id="{1D6FA2D0-8A29-6262-A608-943ED2F502E1}"/>
+              </a:ext>
+            </a:extLst>
+          </p:cNvPr>
+          <p:cNvSpPr>
+            <a:spLocks noGrp="1"/>
+          </p:cNvSpPr>
+          <p:nvPr>
+            <p:ph type="title"/>
+          </p:nvPr>
+        </p:nvSpPr>
+        <p:spPr/>
+        <p:txBody>
+          <a:bodyPr>
+            <a:normAutofit/>
+          </a:bodyPr>
+          <a:lstStyle/>
+          <a:p>
+            <a:pPr algn="ctr"/>
+            <a:r>
+              <a:rPr lang="en-GB" sz="4000" b="1" dirty="0"/>
+              <a:t>Logistic Regression (with ‘text’ column)</a:t>
+            </a:r>
+            <a:endParaRPr lang="en-US" sz="4000" b="1" dirty="0"/>
+          </a:p>
+        </p:txBody>
+      </p:sp>
+      <p:sp>
+        <p:nvSpPr>
+          <p:cNvPr id="3" name="Content Placeholder 2">
+            <a:extLst>
+              <a:ext uri="{FF2B5EF4-FFF2-40B4-BE49-F238E27FC236}">
+                <a16:creationId xmlns:a16="http://schemas.microsoft.com/office/drawing/2014/main" id="{842A2FD5-A681-D22F-D5B9-18D7B07D35AF}"/>
+              </a:ext>
+            </a:extLst>
+          </p:cNvPr>
+          <p:cNvSpPr>
+            <a:spLocks noGrp="1"/>
+          </p:cNvSpPr>
+          <p:nvPr>
+            <p:ph idx="1"/>
+          </p:nvPr>
+        </p:nvSpPr>
+        <p:spPr>
+          <a:xfrm>
+            <a:off x="579584" y="1881043"/>
+            <a:ext cx="5387109" cy="4214958"/>
+          </a:xfrm>
+        </p:spPr>
+        <p:txBody>
+          <a:bodyPr>
+            <a:noAutofit/>
+          </a:bodyPr>
+          <a:lstStyle/>
+          <a:p>
+            <a:pPr marL="0" indent="0">
+              <a:buNone/>
+            </a:pPr>
+            <a:r>
+              <a:rPr lang="en-GB" sz="1600" dirty="0"/>
+              <a:t>I first started by tokenising and creating a bag-of words representation of the text within each article</a:t>
+            </a:r>
+          </a:p>
+          <a:p>
+            <a:pPr marL="0" indent="0">
+              <a:buNone/>
+            </a:pPr>
+            <a:endParaRPr lang="en-GB" sz="1600" dirty="0"/>
+          </a:p>
+          <a:p>
+            <a:pPr marL="0" indent="0">
+              <a:buNone/>
+            </a:pPr>
+            <a:r>
+              <a:rPr lang="en-US" sz="1600" dirty="0"/>
+              <a:t>This approach represents a document as an unordered set of words, disregarding grammar and word order but keeping track of word frequency. The basic idea is to create a vocabulary of unique words present in the entire set of documents and then represent each document as a vector in this high-dimensional space, with each dimension corresponding to a word in the vocabulary.</a:t>
+            </a:r>
+          </a:p>
+          <a:p>
+            <a:pPr marL="0" indent="0">
+              <a:buNone/>
+            </a:pPr>
+            <a:endParaRPr lang="en-US" sz="1600" dirty="0"/>
+          </a:p>
+          <a:p>
+            <a:pPr marL="0" indent="0">
+              <a:buNone/>
+            </a:pPr>
+            <a:endParaRPr lang="en-GB" sz="1600" dirty="0"/>
+          </a:p>
+          <a:p>
+            <a:pPr marL="0" indent="0">
+              <a:buNone/>
+            </a:pPr>
+            <a:endParaRPr lang="en-GB" sz="1600" dirty="0"/>
+          </a:p>
+        </p:txBody>
+      </p:sp>
+      <p:sp>
+        <p:nvSpPr>
+          <p:cNvPr id="4" name="Content Placeholder 2">
+            <a:extLst>
+              <a:ext uri="{FF2B5EF4-FFF2-40B4-BE49-F238E27FC236}">
+                <a16:creationId xmlns:a16="http://schemas.microsoft.com/office/drawing/2014/main" id="{3E734329-550A-F2C9-F0EA-C2CBAB043F7D}"/>
+              </a:ext>
+            </a:extLst>
+          </p:cNvPr>
+          <p:cNvSpPr txBox="1">
+            <a:spLocks/>
+          </p:cNvSpPr>
+          <p:nvPr/>
+        </p:nvSpPr>
+        <p:spPr>
+          <a:xfrm>
+            <a:off x="6225308" y="1576243"/>
+            <a:ext cx="5514110" cy="4806084"/>
+          </a:xfrm>
+          <a:prstGeom prst="rect">
+            <a:avLst/>
+          </a:prstGeom>
+        </p:spPr>
+        <p:txBody>
+          <a:bodyPr vert="horz" lIns="91440" tIns="45720" rIns="91440" bIns="45720" rtlCol="0">
+            <a:noAutofit/>
+          </a:bodyPr>
+          <a:lstStyle>
+            <a:lvl1pPr marL="228600" indent="-228600" algn="l" defTabSz="914400" rtl="0" eaLnBrk="1" latinLnBrk="0" hangingPunct="1">
+              <a:lnSpc>
+                <a:spcPct val="90000"/>
+              </a:lnSpc>
+              <a:spcBef>
+                <a:spcPts val="1000"/>
+              </a:spcBef>
+              <a:buFont typeface="Arial" panose="020B0604020202020204" pitchFamily="34" charset="0"/>
+              <a:buChar char="•"/>
+              <a:defRPr sz="2800" kern="1200">
+                <a:solidFill>
+                  <a:schemeClr val="tx1"/>
+                </a:solidFill>
+                <a:latin typeface="+mn-lt"/>
+                <a:ea typeface="+mn-ea"/>
+                <a:cs typeface="+mn-cs"/>
+              </a:defRPr>
+            </a:lvl1pPr>
+            <a:lvl2pPr marL="685800" indent="-228600" algn="l" defTabSz="914400" rtl="0" eaLnBrk="1" latinLnBrk="0" hangingPunct="1">
+              <a:lnSpc>
+                <a:spcPct val="90000"/>
+              </a:lnSpc>
+              <a:spcBef>
+                <a:spcPts val="500"/>
+              </a:spcBef>
+              <a:buFont typeface="Arial" panose="020B0604020202020204" pitchFamily="34" charset="0"/>
+              <a:buChar char="•"/>
+              <a:defRPr sz="2400" kern="1200">
+                <a:solidFill>
+                  <a:schemeClr val="tx1"/>
+                </a:solidFill>
+                <a:latin typeface="+mn-lt"/>
+                <a:ea typeface="+mn-ea"/>
+                <a:cs typeface="+mn-cs"/>
+              </a:defRPr>
+            </a:lvl2pPr>
+            <a:lvl3pPr marL="1143000" indent="-228600" algn="l" defTabSz="914400" rtl="0" eaLnBrk="1" latinLnBrk="0" hangingPunct="1">
+              <a:lnSpc>
+                <a:spcPct val="90000"/>
+              </a:lnSpc>
+              <a:spcBef>
+                <a:spcPts val="500"/>
+              </a:spcBef>
+              <a:buFont typeface="Arial" panose="020B0604020202020204" pitchFamily="34" charset="0"/>
+              <a:buChar char="•"/>
+              <a:defRPr sz="2000" kern="1200">
+                <a:solidFill>
+                  <a:schemeClr val="tx1"/>
+                </a:solidFill>
+                <a:latin typeface="+mn-lt"/>
+                <a:ea typeface="+mn-ea"/>
+                <a:cs typeface="+mn-cs"/>
+              </a:defRPr>
+            </a:lvl3pPr>
+            <a:lvl4pPr marL="1600200" indent="-228600" algn="l" defTabSz="914400" rtl="0" eaLnBrk="1" latinLnBrk="0" hangingPunct="1">
+              <a:lnSpc>
+                <a:spcPct val="90000"/>
+              </a:lnSpc>
+              <a:spcBef>
+                <a:spcPts val="500"/>
+              </a:spcBef>
+              <a:buFont typeface="Arial" panose="020B0604020202020204" pitchFamily="34" charset="0"/>
+              <a:buChar char="•"/>
+              <a:defRPr sz="1800" kern="1200">
+                <a:solidFill>
+                  <a:schemeClr val="tx1"/>
+                </a:solidFill>
+                <a:latin typeface="+mn-lt"/>
+                <a:ea typeface="+mn-ea"/>
+                <a:cs typeface="+mn-cs"/>
+              </a:defRPr>
+            </a:lvl4pPr>
+            <a:lvl5pPr marL="2057400" indent="-228600" algn="l" defTabSz="914400" rtl="0" eaLnBrk="1" latinLnBrk="0" hangingPunct="1">
+              <a:lnSpc>
+                <a:spcPct val="90000"/>
+              </a:lnSpc>
+              <a:spcBef>
+                <a:spcPts val="500"/>
+              </a:spcBef>
+              <a:buFont typeface="Arial" panose="020B0604020202020204" pitchFamily="34" charset="0"/>
+              <a:buChar char="•"/>
+              <a:defRPr sz="1800" kern="1200">
+                <a:solidFill>
+                  <a:schemeClr val="tx1"/>
+                </a:solidFill>
+                <a:latin typeface="+mn-lt"/>
+                <a:ea typeface="+mn-ea"/>
+                <a:cs typeface="+mn-cs"/>
+              </a:defRPr>
+            </a:lvl5pPr>
+            <a:lvl6pPr marL="2514600" indent="-228600" algn="l" defTabSz="914400" rtl="0" eaLnBrk="1" latinLnBrk="0" hangingPunct="1">
+              <a:lnSpc>
+                <a:spcPct val="90000"/>
+              </a:lnSpc>
+              <a:spcBef>
+                <a:spcPts val="500"/>
+              </a:spcBef>
+              <a:buFont typeface="Arial" panose="020B0604020202020204" pitchFamily="34" charset="0"/>
+              <a:buChar char="•"/>
+              <a:defRPr sz="1800" kern="1200">
+                <a:solidFill>
+                  <a:schemeClr val="tx1"/>
+                </a:solidFill>
+                <a:latin typeface="+mn-lt"/>
+                <a:ea typeface="+mn-ea"/>
+                <a:cs typeface="+mn-cs"/>
+              </a:defRPr>
+            </a:lvl6pPr>
+            <a:lvl7pPr marL="2971800" indent="-228600" algn="l" defTabSz="914400" rtl="0" eaLnBrk="1" latinLnBrk="0" hangingPunct="1">
+              <a:lnSpc>
+                <a:spcPct val="90000"/>
+              </a:lnSpc>
+              <a:spcBef>
+                <a:spcPts val="500"/>
+              </a:spcBef>
+              <a:buFont typeface="Arial" panose="020B0604020202020204" pitchFamily="34" charset="0"/>
+              <a:buChar char="•"/>
+              <a:defRPr sz="1800" kern="1200">
+                <a:solidFill>
+                  <a:schemeClr val="tx1"/>
+                </a:solidFill>
+                <a:latin typeface="+mn-lt"/>
+                <a:ea typeface="+mn-ea"/>
+                <a:cs typeface="+mn-cs"/>
+              </a:defRPr>
+            </a:lvl7pPr>
+            <a:lvl8pPr marL="3429000" indent="-228600" algn="l" defTabSz="914400" rtl="0" eaLnBrk="1" latinLnBrk="0" hangingPunct="1">
+              <a:lnSpc>
+                <a:spcPct val="90000"/>
+              </a:lnSpc>
+              <a:spcBef>
+                <a:spcPts val="500"/>
+              </a:spcBef>
+              <a:buFont typeface="Arial" panose="020B0604020202020204" pitchFamily="34" charset="0"/>
+              <a:buChar char="•"/>
+              <a:defRPr sz="1800" kern="1200">
+                <a:solidFill>
+                  <a:schemeClr val="tx1"/>
+                </a:solidFill>
+                <a:latin typeface="+mn-lt"/>
+                <a:ea typeface="+mn-ea"/>
+                <a:cs typeface="+mn-cs"/>
+              </a:defRPr>
+            </a:lvl8pPr>
+            <a:lvl9pPr marL="3886200" indent="-228600" algn="l" defTabSz="914400" rtl="0" eaLnBrk="1" latinLnBrk="0" hangingPunct="1">
+              <a:lnSpc>
+                <a:spcPct val="90000"/>
+              </a:lnSpc>
+              <a:spcBef>
+                <a:spcPts val="500"/>
+              </a:spcBef>
+              <a:buFont typeface="Arial" panose="020B0604020202020204" pitchFamily="34" charset="0"/>
+              <a:buChar char="•"/>
+              <a:defRPr sz="1800" kern="1200">
+                <a:solidFill>
+                  <a:schemeClr val="tx1"/>
+                </a:solidFill>
+                <a:latin typeface="+mn-lt"/>
+                <a:ea typeface="+mn-ea"/>
+                <a:cs typeface="+mn-cs"/>
+              </a:defRPr>
+            </a:lvl9pPr>
+          </a:lstStyle>
+          <a:p>
+            <a:pPr marL="0" indent="0">
+              <a:buFont typeface="Arial" panose="020B0604020202020204" pitchFamily="34" charset="0"/>
+              <a:buNone/>
+            </a:pPr>
+            <a:endParaRPr lang="en-US" sz="1600" dirty="0"/>
+          </a:p>
+          <a:p>
+            <a:pPr marL="457200" indent="-457200">
+              <a:buFont typeface="Arial" panose="020B0604020202020204" pitchFamily="34" charset="0"/>
+              <a:buAutoNum type="arabicPeriod"/>
+            </a:pPr>
+            <a:r>
+              <a:rPr lang="en-US" sz="1600" dirty="0"/>
+              <a:t>Create Vocabulary: Identify all unique words in the entire set of documents.</a:t>
+            </a:r>
+          </a:p>
+          <a:p>
+            <a:pPr marL="457200" indent="-457200">
+              <a:buFont typeface="Arial" panose="020B0604020202020204" pitchFamily="34" charset="0"/>
+              <a:buAutoNum type="arabicPeriod"/>
+            </a:pPr>
+            <a:r>
+              <a:rPr lang="en-GB" sz="1600" dirty="0"/>
+              <a:t>Tokenisation</a:t>
+            </a:r>
+            <a:r>
+              <a:rPr lang="en-US" sz="1600" dirty="0"/>
+              <a:t>: Break down each document into individual words. </a:t>
+            </a:r>
+          </a:p>
+          <a:p>
+            <a:pPr marL="457200" indent="-457200">
+              <a:buFont typeface="Arial" panose="020B0604020202020204" pitchFamily="34" charset="0"/>
+              <a:buAutoNum type="arabicPeriod"/>
+            </a:pPr>
+            <a:r>
+              <a:rPr lang="en-US" sz="1600" dirty="0"/>
+              <a:t>Word Frequency: Count the frequency of each word in each document. </a:t>
+            </a:r>
+          </a:p>
+          <a:p>
+            <a:pPr marL="457200" indent="-457200">
+              <a:buFont typeface="Arial" panose="020B0604020202020204" pitchFamily="34" charset="0"/>
+              <a:buAutoNum type="arabicPeriod"/>
+            </a:pPr>
+            <a:r>
+              <a:rPr lang="en-US" sz="1600" dirty="0"/>
+              <a:t>Vector Representation: Represent each document as a vector, where each element in the vector corresponds to the frequency of a word in the vocabulary</a:t>
+            </a:r>
+          </a:p>
+          <a:p>
+            <a:pPr marL="457200" indent="-457200">
+              <a:buFont typeface="Arial" panose="020B0604020202020204" pitchFamily="34" charset="0"/>
+              <a:buAutoNum type="arabicPeriod"/>
+            </a:pPr>
+            <a:endParaRPr lang="en-US" sz="1600" dirty="0"/>
+          </a:p>
+          <a:p>
+            <a:pPr marL="0" indent="0">
+              <a:buFont typeface="Arial" panose="020B0604020202020204" pitchFamily="34" charset="0"/>
+              <a:buNone/>
+            </a:pPr>
+            <a:r>
+              <a:rPr lang="en-US" sz="1600" dirty="0"/>
+              <a:t>To address some of the limitations of bag-of-words I used TF-IDF (Term Frequency-Inverse Document Frequency).</a:t>
+            </a:r>
+          </a:p>
+          <a:p>
+            <a:pPr marL="0" indent="0">
+              <a:buFont typeface="Arial" panose="020B0604020202020204" pitchFamily="34" charset="0"/>
+              <a:buNone/>
+            </a:pPr>
+            <a:r>
+              <a:rPr lang="en-US" sz="1600" dirty="0"/>
+              <a:t>Instead of representing a document as a raw word frequency vector, TF-IDF considers both the frequency of a word in a document (Term Frequency) and the rarity of the word across all documents in the dataset (Inverse Document Frequency).</a:t>
+            </a:r>
+          </a:p>
+          <a:p>
+            <a:pPr marL="0" indent="0">
+              <a:buFont typeface="Arial" panose="020B0604020202020204" pitchFamily="34" charset="0"/>
+              <a:buNone/>
+            </a:pPr>
+            <a:endParaRPr lang="en-GB" sz="1600" dirty="0"/>
+          </a:p>
+          <a:p>
+            <a:pPr marL="0" indent="0">
+              <a:buFont typeface="Arial" panose="020B0604020202020204" pitchFamily="34" charset="0"/>
+              <a:buNone/>
+            </a:pPr>
+            <a:endParaRPr lang="en-GB" sz="1600" dirty="0"/>
+          </a:p>
+        </p:txBody>
+      </p:sp>
+    </p:spTree>
+    <p:extLst>
+      <p:ext uri="{BB962C8B-B14F-4D97-AF65-F5344CB8AC3E}">
+        <p14:creationId xmlns:p14="http://schemas.microsoft.com/office/powerpoint/2010/main" val="2721637617"/>
+      </p:ext>
+    </p:extLst>
+  </p:cSld>
+  <p:clrMapOvr>
+    <a:masterClrMapping/>
+  </p:clrMapOvr>
+</p:sld>
+</file>
+
+<file path=ppt/slides/slide15.xml><?xml version="1.0" encoding="utf-8"?>
+<p:sld xmlns:a="http://schemas.openxmlformats.org/drawingml/2006/main" xmlns:r="http://schemas.openxmlformats.org/officeDocument/2006/relationships" xmlns:p="http://schemas.openxmlformats.org/presentationml/2006/main">
+  <p:cSld>
+    <p:spTree>
+      <p:nvGrpSpPr>
+        <p:cNvPr id="1" name=""/>
+        <p:cNvGrpSpPr/>
+        <p:nvPr/>
+      </p:nvGrpSpPr>
+      <p:grpSpPr>
+        <a:xfrm>
+          <a:off x="0" y="0"/>
+          <a:ext cx="0" cy="0"/>
+          <a:chOff x="0" y="0"/>
+          <a:chExt cx="0" cy="0"/>
+        </a:xfrm>
+      </p:grpSpPr>
+      <p:sp>
+        <p:nvSpPr>
+          <p:cNvPr id="3" name="Content Placeholder 2">
+            <a:extLst>
+              <a:ext uri="{FF2B5EF4-FFF2-40B4-BE49-F238E27FC236}">
+                <a16:creationId xmlns:a16="http://schemas.microsoft.com/office/drawing/2014/main" id="{28F4EE1D-543F-0329-DCEE-27A6837228F5}"/>
+              </a:ext>
+            </a:extLst>
+          </p:cNvPr>
+          <p:cNvSpPr>
+            <a:spLocks noGrp="1"/>
+          </p:cNvSpPr>
+          <p:nvPr>
+            <p:ph idx="1"/>
+          </p:nvPr>
+        </p:nvSpPr>
+        <p:spPr>
+          <a:xfrm>
+            <a:off x="995218" y="1253331"/>
+            <a:ext cx="10515600" cy="4351338"/>
+          </a:xfrm>
+        </p:spPr>
+        <p:txBody>
+          <a:bodyPr>
+            <a:normAutofit/>
+          </a:bodyPr>
+          <a:lstStyle/>
+          <a:p>
+            <a:pPr marL="0" indent="0">
+              <a:buNone/>
+            </a:pPr>
+            <a:r>
+              <a:rPr lang="en-US" sz="2400" dirty="0"/>
+              <a:t>Since there was an equal distribution of 'reliable' and 'unreliable' news, this score is respectable - where a random guess strategy would yield, on average, a score of 50%. </a:t>
+            </a:r>
+          </a:p>
+          <a:p>
+            <a:pPr marL="0" indent="0">
+              <a:buNone/>
+            </a:pPr>
+            <a:r>
+              <a:rPr lang="en-US" sz="2400" dirty="0"/>
+              <a:t>Let us compare this to the model's performance on the training set, because it is interesting.</a:t>
+            </a:r>
+            <a:endParaRPr lang="en-GB" sz="2400" dirty="0"/>
+          </a:p>
+        </p:txBody>
+      </p:sp>
+      <p:pic>
+        <p:nvPicPr>
+          <p:cNvPr id="5" name="Picture 4">
+            <a:extLst>
+              <a:ext uri="{FF2B5EF4-FFF2-40B4-BE49-F238E27FC236}">
+                <a16:creationId xmlns:a16="http://schemas.microsoft.com/office/drawing/2014/main" id="{748DB28A-95A7-F777-FC4B-0752B78326C3}"/>
+              </a:ext>
+            </a:extLst>
+          </p:cNvPr>
+          <p:cNvPicPr>
+            <a:picLocks noChangeAspect="1"/>
+          </p:cNvPicPr>
+          <p:nvPr/>
+        </p:nvPicPr>
+        <p:blipFill>
+          <a:blip r:embed="rId2"/>
+          <a:stretch>
+            <a:fillRect/>
+          </a:stretch>
+        </p:blipFill>
+        <p:spPr>
+          <a:xfrm>
+            <a:off x="3146393" y="3830409"/>
+            <a:ext cx="6876027" cy="1425083"/>
+          </a:xfrm>
+          <a:prstGeom prst="rect">
+            <a:avLst/>
+          </a:prstGeom>
+        </p:spPr>
+      </p:pic>
+    </p:spTree>
+    <p:extLst>
+      <p:ext uri="{BB962C8B-B14F-4D97-AF65-F5344CB8AC3E}">
+        <p14:creationId xmlns:p14="http://schemas.microsoft.com/office/powerpoint/2010/main" val="548322723"/>
+      </p:ext>
+    </p:extLst>
+  </p:cSld>
+  <p:clrMapOvr>
+    <a:masterClrMapping/>
+  </p:clrMapOvr>
+</p:sld>
+</file>
+
+<file path=ppt/slides/slide16.xml><?xml version="1.0" encoding="utf-8"?>
+<p:sld xmlns:a="http://schemas.openxmlformats.org/drawingml/2006/main" xmlns:r="http://schemas.openxmlformats.org/officeDocument/2006/relationships" xmlns:p="http://schemas.openxmlformats.org/presentationml/2006/main">
+  <p:cSld>
+    <p:spTree>
+      <p:nvGrpSpPr>
+        <p:cNvPr id="1" name=""/>
+        <p:cNvGrpSpPr/>
+        <p:nvPr/>
+      </p:nvGrpSpPr>
+      <p:grpSpPr>
+        <a:xfrm>
+          <a:off x="0" y="0"/>
+          <a:ext cx="0" cy="0"/>
+          <a:chOff x="0" y="0"/>
+          <a:chExt cx="0" cy="0"/>
+        </a:xfrm>
+      </p:grpSpPr>
+      <p:sp>
+        <p:nvSpPr>
+          <p:cNvPr id="3" name="Content Placeholder 2">
+            <a:extLst>
+              <a:ext uri="{FF2B5EF4-FFF2-40B4-BE49-F238E27FC236}">
+                <a16:creationId xmlns:a16="http://schemas.microsoft.com/office/drawing/2014/main" id="{7D0C6C2A-31F8-6418-10FE-17B2CAEF4109}"/>
+              </a:ext>
+            </a:extLst>
+          </p:cNvPr>
+          <p:cNvSpPr>
+            <a:spLocks noGrp="1"/>
+          </p:cNvSpPr>
+          <p:nvPr>
+            <p:ph idx="1"/>
+          </p:nvPr>
+        </p:nvSpPr>
+        <p:spPr>
+          <a:xfrm>
+            <a:off x="995218" y="1380337"/>
+            <a:ext cx="10515600" cy="4351338"/>
+          </a:xfrm>
+        </p:spPr>
+        <p:txBody>
+          <a:bodyPr>
+            <a:normAutofit/>
+          </a:bodyPr>
+          <a:lstStyle/>
+          <a:p>
+            <a:pPr marL="0" indent="0">
+              <a:buNone/>
+            </a:pPr>
+            <a:r>
+              <a:rPr lang="en-US" sz="2400" dirty="0"/>
+              <a:t>The model does not seem to be overfitting as using the test set only reduced accuracy by 2%</a:t>
+            </a:r>
+            <a:endParaRPr lang="en-GB" sz="2400" dirty="0"/>
+          </a:p>
+        </p:txBody>
+      </p:sp>
+      <p:pic>
+        <p:nvPicPr>
+          <p:cNvPr id="5" name="Picture 4">
+            <a:extLst>
+              <a:ext uri="{FF2B5EF4-FFF2-40B4-BE49-F238E27FC236}">
+                <a16:creationId xmlns:a16="http://schemas.microsoft.com/office/drawing/2014/main" id="{7DC1AC3D-95BD-380C-D3F0-72FDBDE5FEE8}"/>
+              </a:ext>
+            </a:extLst>
+          </p:cNvPr>
+          <p:cNvPicPr>
+            <a:picLocks noChangeAspect="1"/>
+          </p:cNvPicPr>
+          <p:nvPr/>
+        </p:nvPicPr>
+        <p:blipFill>
+          <a:blip r:embed="rId2"/>
+          <a:stretch>
+            <a:fillRect/>
+          </a:stretch>
+        </p:blipFill>
+        <p:spPr>
+          <a:xfrm>
+            <a:off x="3249684" y="3135739"/>
+            <a:ext cx="5692632" cy="1279243"/>
+          </a:xfrm>
+          <a:prstGeom prst="rect">
+            <a:avLst/>
+          </a:prstGeom>
+        </p:spPr>
+      </p:pic>
+    </p:spTree>
+    <p:extLst>
+      <p:ext uri="{BB962C8B-B14F-4D97-AF65-F5344CB8AC3E}">
+        <p14:creationId xmlns:p14="http://schemas.microsoft.com/office/powerpoint/2010/main" val="2738279070"/>
+      </p:ext>
+    </p:extLst>
+  </p:cSld>
+  <p:clrMapOvr>
+    <a:masterClrMapping/>
+  </p:clrMapOvr>
+</p:sld>
+</file>
+
+<file path=ppt/slides/slide17.xml><?xml version="1.0" encoding="utf-8"?>
+<p:sld xmlns:a="http://schemas.openxmlformats.org/drawingml/2006/main" xmlns:r="http://schemas.openxmlformats.org/officeDocument/2006/relationships" xmlns:p="http://schemas.openxmlformats.org/presentationml/2006/main">
+  <p:cSld>
+    <p:spTree>
+      <p:nvGrpSpPr>
+        <p:cNvPr id="1" name=""/>
+        <p:cNvGrpSpPr/>
+        <p:nvPr/>
+      </p:nvGrpSpPr>
+      <p:grpSpPr>
+        <a:xfrm>
+          <a:off x="0" y="0"/>
+          <a:ext cx="0" cy="0"/>
+          <a:chOff x="0" y="0"/>
+          <a:chExt cx="0" cy="0"/>
+        </a:xfrm>
+      </p:grpSpPr>
+      <p:pic>
+        <p:nvPicPr>
+          <p:cNvPr id="5" name="Picture 4">
+            <a:extLst>
+              <a:ext uri="{FF2B5EF4-FFF2-40B4-BE49-F238E27FC236}">
+                <a16:creationId xmlns:a16="http://schemas.microsoft.com/office/drawing/2014/main" id="{038ABF98-58AB-3B53-D461-355826DDAF5F}"/>
+              </a:ext>
+            </a:extLst>
+          </p:cNvPr>
+          <p:cNvPicPr>
+            <a:picLocks noChangeAspect="1"/>
+          </p:cNvPicPr>
+          <p:nvPr/>
+        </p:nvPicPr>
+        <p:blipFill>
+          <a:blip r:embed="rId2"/>
+          <a:stretch>
+            <a:fillRect/>
+          </a:stretch>
+        </p:blipFill>
+        <p:spPr>
+          <a:xfrm>
+            <a:off x="2425837" y="739091"/>
+            <a:ext cx="7340326" cy="5379818"/>
+          </a:xfrm>
+          <a:prstGeom prst="rect">
+            <a:avLst/>
+          </a:prstGeom>
+        </p:spPr>
+      </p:pic>
+    </p:spTree>
+    <p:extLst>
+      <p:ext uri="{BB962C8B-B14F-4D97-AF65-F5344CB8AC3E}">
+        <p14:creationId xmlns:p14="http://schemas.microsoft.com/office/powerpoint/2010/main" val="1546643443"/>
+      </p:ext>
+    </p:extLst>
+  </p:cSld>
+  <p:clrMapOvr>
+    <a:masterClrMapping/>
+  </p:clrMapOvr>
+</p:sld>
+</file>
+
+<file path=ppt/slides/slide18.xml><?xml version="1.0" encoding="utf-8"?>
+<p:sld xmlns:a="http://schemas.openxmlformats.org/drawingml/2006/main" xmlns:r="http://schemas.openxmlformats.org/officeDocument/2006/relationships" xmlns:p="http://schemas.openxmlformats.org/presentationml/2006/main">
+  <p:cSld>
+    <p:spTree>
+      <p:nvGrpSpPr>
+        <p:cNvPr id="1" name=""/>
+        <p:cNvGrpSpPr/>
+        <p:nvPr/>
+      </p:nvGrpSpPr>
+      <p:grpSpPr>
+        <a:xfrm>
+          <a:off x="0" y="0"/>
+          <a:ext cx="0" cy="0"/>
+          <a:chOff x="0" y="0"/>
+          <a:chExt cx="0" cy="0"/>
+        </a:xfrm>
+      </p:grpSpPr>
+      <p:sp>
+        <p:nvSpPr>
+          <p:cNvPr id="3" name="Content Placeholder 2">
+            <a:extLst>
+              <a:ext uri="{FF2B5EF4-FFF2-40B4-BE49-F238E27FC236}">
+                <a16:creationId xmlns:a16="http://schemas.microsoft.com/office/drawing/2014/main" id="{77E2CC8D-BE4F-130C-60A5-F101D2153E58}"/>
+              </a:ext>
+            </a:extLst>
+          </p:cNvPr>
+          <p:cNvSpPr>
+            <a:spLocks noGrp="1"/>
+          </p:cNvSpPr>
+          <p:nvPr>
+            <p:ph idx="1"/>
+          </p:nvPr>
+        </p:nvSpPr>
+        <p:spPr>
+          <a:xfrm>
+            <a:off x="1085335" y="404598"/>
+            <a:ext cx="10515600" cy="4351338"/>
+          </a:xfrm>
+        </p:spPr>
+        <p:txBody>
+          <a:bodyPr>
+            <a:normAutofit/>
+          </a:bodyPr>
+          <a:lstStyle/>
+          <a:p>
+            <a:pPr marL="0" indent="0">
+              <a:buNone/>
+            </a:pPr>
+            <a:r>
+              <a:rPr lang="en-US" sz="2400" dirty="0"/>
+              <a:t>An interesting thing to observe when combining logistic regression with TF-IDF is the coefficient the model gives to each word. </a:t>
+            </a:r>
+          </a:p>
+          <a:p>
+            <a:pPr marL="0" indent="0">
+              <a:buNone/>
+            </a:pPr>
+            <a:r>
+              <a:rPr lang="en-US" sz="2400" dirty="0"/>
+              <a:t>Below is a </a:t>
+            </a:r>
+            <a:r>
+              <a:rPr lang="en-US" sz="2400" dirty="0" err="1"/>
+              <a:t>visualisation</a:t>
+            </a:r>
+            <a:r>
+              <a:rPr lang="en-US" sz="2400" dirty="0"/>
+              <a:t> of the coefficient (weight) of words in determining reliability of a given article.</a:t>
+            </a:r>
+            <a:endParaRPr lang="en-GB" sz="2400" dirty="0"/>
+          </a:p>
+        </p:txBody>
+      </p:sp>
+      <p:pic>
+        <p:nvPicPr>
+          <p:cNvPr id="5" name="Picture 4">
+            <a:extLst>
+              <a:ext uri="{FF2B5EF4-FFF2-40B4-BE49-F238E27FC236}">
+                <a16:creationId xmlns:a16="http://schemas.microsoft.com/office/drawing/2014/main" id="{FF1EE408-4E69-516E-8B37-575096247E6C}"/>
+              </a:ext>
+            </a:extLst>
+          </p:cNvPr>
+          <p:cNvPicPr>
+            <a:picLocks noChangeAspect="1"/>
+          </p:cNvPicPr>
+          <p:nvPr/>
+        </p:nvPicPr>
+        <p:blipFill>
+          <a:blip r:embed="rId2"/>
+          <a:stretch>
+            <a:fillRect/>
+          </a:stretch>
+        </p:blipFill>
+        <p:spPr>
+          <a:xfrm>
+            <a:off x="2174788" y="2172437"/>
+            <a:ext cx="8098529" cy="4426071"/>
+          </a:xfrm>
+          <a:prstGeom prst="rect">
+            <a:avLst/>
+          </a:prstGeom>
+        </p:spPr>
+      </p:pic>
+    </p:spTree>
+    <p:extLst>
+      <p:ext uri="{BB962C8B-B14F-4D97-AF65-F5344CB8AC3E}">
+        <p14:creationId xmlns:p14="http://schemas.microsoft.com/office/powerpoint/2010/main" val="3704480099"/>
+      </p:ext>
+    </p:extLst>
+  </p:cSld>
+  <p:clrMapOvr>
+    <a:masterClrMapping/>
+  </p:clrMapOvr>
+</p:sld>
+</file>
+
+<file path=ppt/slides/slide19.xml><?xml version="1.0" encoding="utf-8"?>
+<p:sld xmlns:a="http://schemas.openxmlformats.org/drawingml/2006/main" xmlns:r="http://schemas.openxmlformats.org/officeDocument/2006/relationships" xmlns:p="http://schemas.openxmlformats.org/presentationml/2006/main">
+  <p:cSld>
+    <p:spTree>
+      <p:nvGrpSpPr>
+        <p:cNvPr id="1" name=""/>
+        <p:cNvGrpSpPr/>
+        <p:nvPr/>
+      </p:nvGrpSpPr>
+      <p:grpSpPr>
+        <a:xfrm>
+          <a:off x="0" y="0"/>
+          <a:ext cx="0" cy="0"/>
+          <a:chOff x="0" y="0"/>
+          <a:chExt cx="0" cy="0"/>
+        </a:xfrm>
+      </p:grpSpPr>
+      <p:sp>
+        <p:nvSpPr>
+          <p:cNvPr id="3" name="Content Placeholder 2">
+            <a:extLst>
+              <a:ext uri="{FF2B5EF4-FFF2-40B4-BE49-F238E27FC236}">
+                <a16:creationId xmlns:a16="http://schemas.microsoft.com/office/drawing/2014/main" id="{1E972F5C-266B-5035-E9DE-E2070166C977}"/>
+              </a:ext>
+            </a:extLst>
+          </p:cNvPr>
+          <p:cNvSpPr>
+            <a:spLocks noGrp="1"/>
+          </p:cNvSpPr>
+          <p:nvPr>
+            <p:ph idx="1"/>
+          </p:nvPr>
+        </p:nvSpPr>
+        <p:spPr>
+          <a:xfrm>
+            <a:off x="1050637" y="717261"/>
+            <a:ext cx="10515600" cy="4351338"/>
+          </a:xfrm>
+        </p:spPr>
+        <p:txBody>
+          <a:bodyPr>
+            <a:normAutofit/>
+          </a:bodyPr>
+          <a:lstStyle/>
+          <a:p>
+            <a:pPr marL="0" indent="0">
+              <a:buNone/>
+            </a:pPr>
+            <a:r>
+              <a:rPr lang="en-US" sz="2400" b="0" i="0" dirty="0">
+                <a:effectLst/>
+              </a:rPr>
+              <a:t>This word cloud shows the most common words within articles deemed 'reliable'.</a:t>
+            </a:r>
+            <a:endParaRPr lang="en-GB" sz="2400" dirty="0"/>
+          </a:p>
+        </p:txBody>
+      </p:sp>
+      <p:pic>
+        <p:nvPicPr>
+          <p:cNvPr id="5" name="Picture 4">
+            <a:extLst>
+              <a:ext uri="{FF2B5EF4-FFF2-40B4-BE49-F238E27FC236}">
+                <a16:creationId xmlns:a16="http://schemas.microsoft.com/office/drawing/2014/main" id="{A3961EB1-188D-660B-E31F-C864BBFB5AF3}"/>
+              </a:ext>
+            </a:extLst>
+          </p:cNvPr>
+          <p:cNvPicPr>
+            <a:picLocks noChangeAspect="1"/>
+          </p:cNvPicPr>
+          <p:nvPr/>
+        </p:nvPicPr>
+        <p:blipFill>
+          <a:blip r:embed="rId2"/>
+          <a:stretch>
+            <a:fillRect/>
+          </a:stretch>
+        </p:blipFill>
+        <p:spPr>
+          <a:xfrm>
+            <a:off x="2298206" y="2140033"/>
+            <a:ext cx="8020462" cy="4000706"/>
+          </a:xfrm>
+          <a:prstGeom prst="rect">
+            <a:avLst/>
+          </a:prstGeom>
+        </p:spPr>
+      </p:pic>
+    </p:spTree>
+    <p:extLst>
+      <p:ext uri="{BB962C8B-B14F-4D97-AF65-F5344CB8AC3E}">
+        <p14:creationId xmlns:p14="http://schemas.microsoft.com/office/powerpoint/2010/main" val="3018832514"/>
       </p:ext>
     </p:extLst>
   </p:cSld>
@@ -3453,7 +5315,12 @@
           <a:bodyPr/>
           <a:lstStyle/>
           <a:p>
-            <a:endParaRPr lang="en-US" dirty="0"/>
+            <a:pPr algn="ctr"/>
+            <a:r>
+              <a:rPr lang="en-GB" b="1" dirty="0"/>
+              <a:t>Visualising the dataset</a:t>
+            </a:r>
+            <a:endParaRPr lang="en-US" b="1" dirty="0"/>
           </a:p>
         </p:txBody>
       </p:sp>
@@ -3478,17 +5345,1883 @@
           <a:bodyPr/>
           <a:lstStyle/>
           <a:p>
-            <a:pPr marL="0" indent="0">
-              <a:buNone/>
-            </a:pPr>
+            <a:pPr lvl="1"/>
+            <a:r>
+              <a:rPr lang="en-GB" dirty="0"/>
+              <a:t>‘id’</a:t>
+            </a:r>
+          </a:p>
+          <a:p>
+            <a:pPr lvl="1"/>
+            <a:r>
+              <a:rPr lang="en-GB" dirty="0"/>
+              <a:t>‘title’</a:t>
+            </a:r>
+          </a:p>
+          <a:p>
+            <a:pPr lvl="1"/>
+            <a:r>
+              <a:rPr lang="en-GB" dirty="0"/>
+              <a:t>‘author’</a:t>
+            </a:r>
+          </a:p>
+          <a:p>
+            <a:pPr lvl="1"/>
+            <a:r>
+              <a:rPr lang="en-GB" dirty="0"/>
+              <a:t>‘text’</a:t>
+            </a:r>
+          </a:p>
+          <a:p>
+            <a:pPr lvl="1"/>
+            <a:r>
+              <a:rPr lang="en-GB" dirty="0"/>
+              <a:t>‘label’: 1 and 0 represent unreliable and reliable articles respectively</a:t>
+            </a:r>
             <a:endParaRPr lang="en-US" dirty="0"/>
           </a:p>
         </p:txBody>
       </p:sp>
+      <p:pic>
+        <p:nvPicPr>
+          <p:cNvPr id="7" name="Picture 6">
+            <a:extLst>
+              <a:ext uri="{FF2B5EF4-FFF2-40B4-BE49-F238E27FC236}">
+                <a16:creationId xmlns:a16="http://schemas.microsoft.com/office/drawing/2014/main" id="{C8620FA6-6F96-46C6-808E-1991880C94FA}"/>
+              </a:ext>
+            </a:extLst>
+          </p:cNvPr>
+          <p:cNvPicPr>
+            <a:picLocks noChangeAspect="1"/>
+          </p:cNvPicPr>
+          <p:nvPr/>
+        </p:nvPicPr>
+        <p:blipFill>
+          <a:blip r:embed="rId2"/>
+          <a:stretch>
+            <a:fillRect/>
+          </a:stretch>
+        </p:blipFill>
+        <p:spPr>
+          <a:xfrm>
+            <a:off x="2038141" y="4163776"/>
+            <a:ext cx="8115717" cy="1797142"/>
+          </a:xfrm>
+          <a:prstGeom prst="rect">
+            <a:avLst/>
+          </a:prstGeom>
+        </p:spPr>
+      </p:pic>
     </p:spTree>
     <p:extLst>
       <p:ext uri="{BB962C8B-B14F-4D97-AF65-F5344CB8AC3E}">
         <p14:creationId xmlns:p14="http://schemas.microsoft.com/office/powerpoint/2010/main" val="3496284406"/>
+      </p:ext>
+    </p:extLst>
+  </p:cSld>
+  <p:clrMapOvr>
+    <a:masterClrMapping/>
+  </p:clrMapOvr>
+</p:sld>
+</file>
+
+<file path=ppt/slides/slide20.xml><?xml version="1.0" encoding="utf-8"?>
+<p:sld xmlns:a="http://schemas.openxmlformats.org/drawingml/2006/main" xmlns:r="http://schemas.openxmlformats.org/officeDocument/2006/relationships" xmlns:p="http://schemas.openxmlformats.org/presentationml/2006/main">
+  <p:cSld>
+    <p:spTree>
+      <p:nvGrpSpPr>
+        <p:cNvPr id="1" name=""/>
+        <p:cNvGrpSpPr/>
+        <p:nvPr/>
+      </p:nvGrpSpPr>
+      <p:grpSpPr>
+        <a:xfrm>
+          <a:off x="0" y="0"/>
+          <a:ext cx="0" cy="0"/>
+          <a:chOff x="0" y="0"/>
+          <a:chExt cx="0" cy="0"/>
+        </a:xfrm>
+      </p:grpSpPr>
+      <p:pic>
+        <p:nvPicPr>
+          <p:cNvPr id="5" name="Picture 4">
+            <a:extLst>
+              <a:ext uri="{FF2B5EF4-FFF2-40B4-BE49-F238E27FC236}">
+                <a16:creationId xmlns:a16="http://schemas.microsoft.com/office/drawing/2014/main" id="{29453225-5439-ECA3-0839-7745FCAADD00}"/>
+              </a:ext>
+            </a:extLst>
+          </p:cNvPr>
+          <p:cNvPicPr>
+            <a:picLocks noChangeAspect="1"/>
+          </p:cNvPicPr>
+          <p:nvPr/>
+        </p:nvPicPr>
+        <p:blipFill>
+          <a:blip r:embed="rId2"/>
+          <a:stretch>
+            <a:fillRect/>
+          </a:stretch>
+        </p:blipFill>
+        <p:spPr>
+          <a:xfrm>
+            <a:off x="1668871" y="913663"/>
+            <a:ext cx="9150820" cy="5302523"/>
+          </a:xfrm>
+          <a:prstGeom prst="rect">
+            <a:avLst/>
+          </a:prstGeom>
+        </p:spPr>
+      </p:pic>
+    </p:spTree>
+    <p:extLst>
+      <p:ext uri="{BB962C8B-B14F-4D97-AF65-F5344CB8AC3E}">
+        <p14:creationId xmlns:p14="http://schemas.microsoft.com/office/powerpoint/2010/main" val="4084752827"/>
+      </p:ext>
+    </p:extLst>
+  </p:cSld>
+  <p:clrMapOvr>
+    <a:masterClrMapping/>
+  </p:clrMapOvr>
+</p:sld>
+</file>
+
+<file path=ppt/slides/slide21.xml><?xml version="1.0" encoding="utf-8"?>
+<p:sld xmlns:a="http://schemas.openxmlformats.org/drawingml/2006/main" xmlns:r="http://schemas.openxmlformats.org/officeDocument/2006/relationships" xmlns:p="http://schemas.openxmlformats.org/presentationml/2006/main">
+  <p:cSld>
+    <p:spTree>
+      <p:nvGrpSpPr>
+        <p:cNvPr id="1" name=""/>
+        <p:cNvGrpSpPr/>
+        <p:nvPr/>
+      </p:nvGrpSpPr>
+      <p:grpSpPr>
+        <a:xfrm>
+          <a:off x="0" y="0"/>
+          <a:ext cx="0" cy="0"/>
+          <a:chOff x="0" y="0"/>
+          <a:chExt cx="0" cy="0"/>
+        </a:xfrm>
+      </p:grpSpPr>
+      <p:sp>
+        <p:nvSpPr>
+          <p:cNvPr id="2" name="Title 1">
+            <a:extLst>
+              <a:ext uri="{FF2B5EF4-FFF2-40B4-BE49-F238E27FC236}">
+                <a16:creationId xmlns:a16="http://schemas.microsoft.com/office/drawing/2014/main" id="{1BAEC64F-2489-9746-B1AD-FEEAE671D6C1}"/>
+              </a:ext>
+            </a:extLst>
+          </p:cNvPr>
+          <p:cNvSpPr>
+            <a:spLocks noGrp="1"/>
+          </p:cNvSpPr>
+          <p:nvPr>
+            <p:ph type="title"/>
+          </p:nvPr>
+        </p:nvSpPr>
+        <p:spPr/>
+        <p:txBody>
+          <a:bodyPr>
+            <a:normAutofit/>
+          </a:bodyPr>
+          <a:lstStyle/>
+          <a:p>
+            <a:pPr algn="ctr"/>
+            <a:r>
+              <a:rPr lang="en-GB" sz="4000" b="1" dirty="0"/>
+              <a:t>Logistic Regression (Article Title)</a:t>
+            </a:r>
+          </a:p>
+        </p:txBody>
+      </p:sp>
+      <p:pic>
+        <p:nvPicPr>
+          <p:cNvPr id="5" name="Picture 4">
+            <a:extLst>
+              <a:ext uri="{FF2B5EF4-FFF2-40B4-BE49-F238E27FC236}">
+                <a16:creationId xmlns:a16="http://schemas.microsoft.com/office/drawing/2014/main" id="{F37BD2B5-B40A-1584-D4A3-311203D23429}"/>
+              </a:ext>
+            </a:extLst>
+          </p:cNvPr>
+          <p:cNvPicPr>
+            <a:picLocks noChangeAspect="1"/>
+          </p:cNvPicPr>
+          <p:nvPr/>
+        </p:nvPicPr>
+        <p:blipFill>
+          <a:blip r:embed="rId2"/>
+          <a:stretch>
+            <a:fillRect/>
+          </a:stretch>
+        </p:blipFill>
+        <p:spPr>
+          <a:xfrm>
+            <a:off x="3310203" y="2201676"/>
+            <a:ext cx="5770961" cy="1193035"/>
+          </a:xfrm>
+          <a:prstGeom prst="rect">
+            <a:avLst/>
+          </a:prstGeom>
+        </p:spPr>
+      </p:pic>
+      <p:pic>
+        <p:nvPicPr>
+          <p:cNvPr id="7" name="Picture 6">
+            <a:extLst>
+              <a:ext uri="{FF2B5EF4-FFF2-40B4-BE49-F238E27FC236}">
+                <a16:creationId xmlns:a16="http://schemas.microsoft.com/office/drawing/2014/main" id="{9AF18D9A-FD42-97BA-698F-E9ADA52845B9}"/>
+              </a:ext>
+            </a:extLst>
+          </p:cNvPr>
+          <p:cNvPicPr>
+            <a:picLocks noChangeAspect="1"/>
+          </p:cNvPicPr>
+          <p:nvPr/>
+        </p:nvPicPr>
+        <p:blipFill>
+          <a:blip r:embed="rId3"/>
+          <a:stretch>
+            <a:fillRect/>
+          </a:stretch>
+        </p:blipFill>
+        <p:spPr>
+          <a:xfrm>
+            <a:off x="3275986" y="3905699"/>
+            <a:ext cx="5457168" cy="1321209"/>
+          </a:xfrm>
+          <a:prstGeom prst="rect">
+            <a:avLst/>
+          </a:prstGeom>
+        </p:spPr>
+      </p:pic>
+      <p:grpSp>
+        <p:nvGrpSpPr>
+          <p:cNvPr id="21" name="Group 20">
+            <a:extLst>
+              <a:ext uri="{FF2B5EF4-FFF2-40B4-BE49-F238E27FC236}">
+                <a16:creationId xmlns:a16="http://schemas.microsoft.com/office/drawing/2014/main" id="{F45C9D90-E233-36A4-DC67-ACE1B9295DEA}"/>
+              </a:ext>
+            </a:extLst>
+          </p:cNvPr>
+          <p:cNvGrpSpPr/>
+          <p:nvPr/>
+        </p:nvGrpSpPr>
+        <p:grpSpPr>
+          <a:xfrm>
+            <a:off x="926202" y="2151486"/>
+            <a:ext cx="1815120" cy="891720"/>
+            <a:chOff x="926202" y="2151486"/>
+            <a:chExt cx="1815120" cy="891720"/>
+          </a:xfrm>
+        </p:grpSpPr>
+        <mc:AlternateContent xmlns:mc="http://schemas.openxmlformats.org/markup-compatibility/2006">
+          <mc:Choice xmlns:p14="http://schemas.microsoft.com/office/powerpoint/2010/main" Requires="p14">
+            <p:contentPart p14:bwMode="auto" r:id="rId4">
+              <p14:nvContentPartPr>
+                <p14:cNvPr id="8" name="Ink 7">
+                  <a:extLst>
+                    <a:ext uri="{FF2B5EF4-FFF2-40B4-BE49-F238E27FC236}">
+                      <a16:creationId xmlns:a16="http://schemas.microsoft.com/office/drawing/2014/main" id="{14158813-3E2E-A52D-27D9-72D0DFE9B62C}"/>
+                    </a:ext>
+                  </a:extLst>
+                </p14:cNvPr>
+                <p14:cNvContentPartPr/>
+                <p14:nvPr/>
+              </p14:nvContentPartPr>
+              <p14:xfrm>
+                <a:off x="1334442" y="2246166"/>
+                <a:ext cx="70200" cy="797040"/>
+              </p14:xfrm>
+            </p:contentPart>
+          </mc:Choice>
+          <mc:Fallback>
+            <p:pic>
+              <p:nvPicPr>
+                <p:cNvPr id="8" name="Ink 7">
+                  <a:extLst>
+                    <a:ext uri="{FF2B5EF4-FFF2-40B4-BE49-F238E27FC236}">
+                      <a16:creationId xmlns:a16="http://schemas.microsoft.com/office/drawing/2014/main" id="{14158813-3E2E-A52D-27D9-72D0DFE9B62C}"/>
+                    </a:ext>
+                  </a:extLst>
+                </p:cNvPr>
+                <p:cNvPicPr/>
+                <p:nvPr/>
+              </p:nvPicPr>
+              <p:blipFill>
+                <a:blip r:embed="rId5"/>
+                <a:stretch>
+                  <a:fillRect/>
+                </a:stretch>
+              </p:blipFill>
+              <p:spPr>
+                <a:xfrm>
+                  <a:off x="1328322" y="2240046"/>
+                  <a:ext cx="82440" cy="809280"/>
+                </a:xfrm>
+                <a:prstGeom prst="rect">
+                  <a:avLst/>
+                </a:prstGeom>
+              </p:spPr>
+            </p:pic>
+          </mc:Fallback>
+        </mc:AlternateContent>
+        <mc:AlternateContent xmlns:mc="http://schemas.openxmlformats.org/markup-compatibility/2006">
+          <mc:Choice xmlns:p14="http://schemas.microsoft.com/office/powerpoint/2010/main" Requires="p14">
+            <p:contentPart p14:bwMode="auto" r:id="rId6">
+              <p14:nvContentPartPr>
+                <p14:cNvPr id="9" name="Ink 8">
+                  <a:extLst>
+                    <a:ext uri="{FF2B5EF4-FFF2-40B4-BE49-F238E27FC236}">
+                      <a16:creationId xmlns:a16="http://schemas.microsoft.com/office/drawing/2014/main" id="{F75801C5-B12B-A805-B826-B8B4ED14454F}"/>
+                    </a:ext>
+                  </a:extLst>
+                </p14:cNvPr>
+                <p14:cNvContentPartPr/>
+                <p14:nvPr/>
+              </p14:nvContentPartPr>
+              <p14:xfrm>
+                <a:off x="926202" y="2151486"/>
+                <a:ext cx="744120" cy="116640"/>
+              </p14:xfrm>
+            </p:contentPart>
+          </mc:Choice>
+          <mc:Fallback>
+            <p:pic>
+              <p:nvPicPr>
+                <p:cNvPr id="9" name="Ink 8">
+                  <a:extLst>
+                    <a:ext uri="{FF2B5EF4-FFF2-40B4-BE49-F238E27FC236}">
+                      <a16:creationId xmlns:a16="http://schemas.microsoft.com/office/drawing/2014/main" id="{F75801C5-B12B-A805-B826-B8B4ED14454F}"/>
+                    </a:ext>
+                  </a:extLst>
+                </p:cNvPr>
+                <p:cNvPicPr/>
+                <p:nvPr/>
+              </p:nvPicPr>
+              <p:blipFill>
+                <a:blip r:embed="rId7"/>
+                <a:stretch>
+                  <a:fillRect/>
+                </a:stretch>
+              </p:blipFill>
+              <p:spPr>
+                <a:xfrm>
+                  <a:off x="920082" y="2145366"/>
+                  <a:ext cx="756360" cy="128880"/>
+                </a:xfrm>
+                <a:prstGeom prst="rect">
+                  <a:avLst/>
+                </a:prstGeom>
+              </p:spPr>
+            </p:pic>
+          </mc:Fallback>
+        </mc:AlternateContent>
+        <mc:AlternateContent xmlns:mc="http://schemas.openxmlformats.org/markup-compatibility/2006">
+          <mc:Choice xmlns:p14="http://schemas.microsoft.com/office/powerpoint/2010/main" Requires="p14">
+            <p:contentPart p14:bwMode="auto" r:id="rId8">
+              <p14:nvContentPartPr>
+                <p14:cNvPr id="10" name="Ink 9">
+                  <a:extLst>
+                    <a:ext uri="{FF2B5EF4-FFF2-40B4-BE49-F238E27FC236}">
+                      <a16:creationId xmlns:a16="http://schemas.microsoft.com/office/drawing/2014/main" id="{60D017DD-7D27-7F8C-9758-F50EA3054888}"/>
+                    </a:ext>
+                  </a:extLst>
+                </p14:cNvPr>
+                <p14:cNvContentPartPr/>
+                <p14:nvPr/>
+              </p14:nvContentPartPr>
+              <p14:xfrm>
+                <a:off x="1572042" y="2512926"/>
+                <a:ext cx="397440" cy="436320"/>
+              </p14:xfrm>
+            </p:contentPart>
+          </mc:Choice>
+          <mc:Fallback>
+            <p:pic>
+              <p:nvPicPr>
+                <p:cNvPr id="10" name="Ink 9">
+                  <a:extLst>
+                    <a:ext uri="{FF2B5EF4-FFF2-40B4-BE49-F238E27FC236}">
+                      <a16:creationId xmlns:a16="http://schemas.microsoft.com/office/drawing/2014/main" id="{60D017DD-7D27-7F8C-9758-F50EA3054888}"/>
+                    </a:ext>
+                  </a:extLst>
+                </p:cNvPr>
+                <p:cNvPicPr/>
+                <p:nvPr/>
+              </p:nvPicPr>
+              <p:blipFill>
+                <a:blip r:embed="rId9"/>
+                <a:stretch>
+                  <a:fillRect/>
+                </a:stretch>
+              </p:blipFill>
+              <p:spPr>
+                <a:xfrm>
+                  <a:off x="1565922" y="2506806"/>
+                  <a:ext cx="409680" cy="448560"/>
+                </a:xfrm>
+                <a:prstGeom prst="rect">
+                  <a:avLst/>
+                </a:prstGeom>
+              </p:spPr>
+            </p:pic>
+          </mc:Fallback>
+        </mc:AlternateContent>
+        <mc:AlternateContent xmlns:mc="http://schemas.openxmlformats.org/markup-compatibility/2006">
+          <mc:Choice xmlns:p14="http://schemas.microsoft.com/office/powerpoint/2010/main" Requires="p14">
+            <p:contentPart p14:bwMode="auto" r:id="rId10">
+              <p14:nvContentPartPr>
+                <p14:cNvPr id="11" name="Ink 10">
+                  <a:extLst>
+                    <a:ext uri="{FF2B5EF4-FFF2-40B4-BE49-F238E27FC236}">
+                      <a16:creationId xmlns:a16="http://schemas.microsoft.com/office/drawing/2014/main" id="{876B3752-25CF-090A-D61B-4A96D63164E6}"/>
+                    </a:ext>
+                  </a:extLst>
+                </p14:cNvPr>
+                <p14:cNvContentPartPr/>
+                <p14:nvPr/>
+              </p14:nvContentPartPr>
+              <p14:xfrm>
+                <a:off x="2013762" y="2593566"/>
+                <a:ext cx="176760" cy="350280"/>
+              </p14:xfrm>
+            </p:contentPart>
+          </mc:Choice>
+          <mc:Fallback>
+            <p:pic>
+              <p:nvPicPr>
+                <p:cNvPr id="11" name="Ink 10">
+                  <a:extLst>
+                    <a:ext uri="{FF2B5EF4-FFF2-40B4-BE49-F238E27FC236}">
+                      <a16:creationId xmlns:a16="http://schemas.microsoft.com/office/drawing/2014/main" id="{876B3752-25CF-090A-D61B-4A96D63164E6}"/>
+                    </a:ext>
+                  </a:extLst>
+                </p:cNvPr>
+                <p:cNvPicPr/>
+                <p:nvPr/>
+              </p:nvPicPr>
+              <p:blipFill>
+                <a:blip r:embed="rId11"/>
+                <a:stretch>
+                  <a:fillRect/>
+                </a:stretch>
+              </p:blipFill>
+              <p:spPr>
+                <a:xfrm>
+                  <a:off x="2007642" y="2587446"/>
+                  <a:ext cx="189000" cy="362520"/>
+                </a:xfrm>
+                <a:prstGeom prst="rect">
+                  <a:avLst/>
+                </a:prstGeom>
+              </p:spPr>
+            </p:pic>
+          </mc:Fallback>
+        </mc:AlternateContent>
+        <mc:AlternateContent xmlns:mc="http://schemas.openxmlformats.org/markup-compatibility/2006">
+          <mc:Choice xmlns:p14="http://schemas.microsoft.com/office/powerpoint/2010/main" Requires="p14">
+            <p:contentPart p14:bwMode="auto" r:id="rId12">
+              <p14:nvContentPartPr>
+                <p14:cNvPr id="12" name="Ink 11">
+                  <a:extLst>
+                    <a:ext uri="{FF2B5EF4-FFF2-40B4-BE49-F238E27FC236}">
+                      <a16:creationId xmlns:a16="http://schemas.microsoft.com/office/drawing/2014/main" id="{510CEA13-9B7C-056A-D805-68CCA26CDC98}"/>
+                    </a:ext>
+                  </a:extLst>
+                </p14:cNvPr>
+                <p14:cNvContentPartPr/>
+                <p14:nvPr/>
+              </p14:nvContentPartPr>
+              <p14:xfrm>
+                <a:off x="1921602" y="2274966"/>
+                <a:ext cx="702360" cy="640800"/>
+              </p14:xfrm>
+            </p:contentPart>
+          </mc:Choice>
+          <mc:Fallback>
+            <p:pic>
+              <p:nvPicPr>
+                <p:cNvPr id="12" name="Ink 11">
+                  <a:extLst>
+                    <a:ext uri="{FF2B5EF4-FFF2-40B4-BE49-F238E27FC236}">
+                      <a16:creationId xmlns:a16="http://schemas.microsoft.com/office/drawing/2014/main" id="{510CEA13-9B7C-056A-D805-68CCA26CDC98}"/>
+                    </a:ext>
+                  </a:extLst>
+                </p:cNvPr>
+                <p:cNvPicPr/>
+                <p:nvPr/>
+              </p:nvPicPr>
+              <p:blipFill>
+                <a:blip r:embed="rId13"/>
+                <a:stretch>
+                  <a:fillRect/>
+                </a:stretch>
+              </p:blipFill>
+              <p:spPr>
+                <a:xfrm>
+                  <a:off x="1915482" y="2268846"/>
+                  <a:ext cx="714600" cy="653040"/>
+                </a:xfrm>
+                <a:prstGeom prst="rect">
+                  <a:avLst/>
+                </a:prstGeom>
+              </p:spPr>
+            </p:pic>
+          </mc:Fallback>
+        </mc:AlternateContent>
+        <mc:AlternateContent xmlns:mc="http://schemas.openxmlformats.org/markup-compatibility/2006">
+          <mc:Choice xmlns:p14="http://schemas.microsoft.com/office/powerpoint/2010/main" Requires="p14">
+            <p:contentPart p14:bwMode="auto" r:id="rId14">
+              <p14:nvContentPartPr>
+                <p14:cNvPr id="13" name="Ink 12">
+                  <a:extLst>
+                    <a:ext uri="{FF2B5EF4-FFF2-40B4-BE49-F238E27FC236}">
+                      <a16:creationId xmlns:a16="http://schemas.microsoft.com/office/drawing/2014/main" id="{CA760296-3B49-D947-0D7A-7A1F0C021959}"/>
+                    </a:ext>
+                  </a:extLst>
+                </p14:cNvPr>
+                <p14:cNvContentPartPr/>
+                <p14:nvPr/>
+              </p14:nvContentPartPr>
+              <p14:xfrm>
+                <a:off x="2410842" y="2569086"/>
+                <a:ext cx="330480" cy="37800"/>
+              </p14:xfrm>
+            </p:contentPart>
+          </mc:Choice>
+          <mc:Fallback>
+            <p:pic>
+              <p:nvPicPr>
+                <p:cNvPr id="13" name="Ink 12">
+                  <a:extLst>
+                    <a:ext uri="{FF2B5EF4-FFF2-40B4-BE49-F238E27FC236}">
+                      <a16:creationId xmlns:a16="http://schemas.microsoft.com/office/drawing/2014/main" id="{CA760296-3B49-D947-0D7A-7A1F0C021959}"/>
+                    </a:ext>
+                  </a:extLst>
+                </p:cNvPr>
+                <p:cNvPicPr/>
+                <p:nvPr/>
+              </p:nvPicPr>
+              <p:blipFill>
+                <a:blip r:embed="rId15"/>
+                <a:stretch>
+                  <a:fillRect/>
+                </a:stretch>
+              </p:blipFill>
+              <p:spPr>
+                <a:xfrm>
+                  <a:off x="2404722" y="2562966"/>
+                  <a:ext cx="342720" cy="50040"/>
+                </a:xfrm>
+                <a:prstGeom prst="rect">
+                  <a:avLst/>
+                </a:prstGeom>
+              </p:spPr>
+            </p:pic>
+          </mc:Fallback>
+        </mc:AlternateContent>
+      </p:grpSp>
+      <p:grpSp>
+        <p:nvGrpSpPr>
+          <p:cNvPr id="23" name="Group 22">
+            <a:extLst>
+              <a:ext uri="{FF2B5EF4-FFF2-40B4-BE49-F238E27FC236}">
+                <a16:creationId xmlns:a16="http://schemas.microsoft.com/office/drawing/2014/main" id="{3AD28BB5-F2D9-0F5C-451F-B92B302506A7}"/>
+              </a:ext>
+            </a:extLst>
+          </p:cNvPr>
+          <p:cNvGrpSpPr/>
+          <p:nvPr/>
+        </p:nvGrpSpPr>
+        <p:grpSpPr>
+          <a:xfrm>
+            <a:off x="898122" y="3775086"/>
+            <a:ext cx="2318400" cy="811440"/>
+            <a:chOff x="898122" y="3775086"/>
+            <a:chExt cx="2318400" cy="811440"/>
+          </a:xfrm>
+        </p:grpSpPr>
+        <mc:AlternateContent xmlns:mc="http://schemas.openxmlformats.org/markup-compatibility/2006">
+          <mc:Choice xmlns:p14="http://schemas.microsoft.com/office/powerpoint/2010/main" Requires="p14">
+            <p:contentPart p14:bwMode="auto" r:id="rId16">
+              <p14:nvContentPartPr>
+                <p14:cNvPr id="14" name="Ink 13">
+                  <a:extLst>
+                    <a:ext uri="{FF2B5EF4-FFF2-40B4-BE49-F238E27FC236}">
+                      <a16:creationId xmlns:a16="http://schemas.microsoft.com/office/drawing/2014/main" id="{F4A62DF9-22B1-9CF6-8C5C-BF2DBC6E8825}"/>
+                    </a:ext>
+                  </a:extLst>
+                </p14:cNvPr>
+                <p14:cNvContentPartPr/>
+                <p14:nvPr/>
+              </p14:nvContentPartPr>
+              <p14:xfrm>
+                <a:off x="1239402" y="3813966"/>
+                <a:ext cx="246600" cy="772560"/>
+              </p14:xfrm>
+            </p:contentPart>
+          </mc:Choice>
+          <mc:Fallback>
+            <p:pic>
+              <p:nvPicPr>
+                <p:cNvPr id="14" name="Ink 13">
+                  <a:extLst>
+                    <a:ext uri="{FF2B5EF4-FFF2-40B4-BE49-F238E27FC236}">
+                      <a16:creationId xmlns:a16="http://schemas.microsoft.com/office/drawing/2014/main" id="{F4A62DF9-22B1-9CF6-8C5C-BF2DBC6E8825}"/>
+                    </a:ext>
+                  </a:extLst>
+                </p:cNvPr>
+                <p:cNvPicPr/>
+                <p:nvPr/>
+              </p:nvPicPr>
+              <p:blipFill>
+                <a:blip r:embed="rId17"/>
+                <a:stretch>
+                  <a:fillRect/>
+                </a:stretch>
+              </p:blipFill>
+              <p:spPr>
+                <a:xfrm>
+                  <a:off x="1233282" y="3807846"/>
+                  <a:ext cx="258840" cy="784800"/>
+                </a:xfrm>
+                <a:prstGeom prst="rect">
+                  <a:avLst/>
+                </a:prstGeom>
+              </p:spPr>
+            </p:pic>
+          </mc:Fallback>
+        </mc:AlternateContent>
+        <mc:AlternateContent xmlns:mc="http://schemas.openxmlformats.org/markup-compatibility/2006">
+          <mc:Choice xmlns:p14="http://schemas.microsoft.com/office/powerpoint/2010/main" Requires="p14">
+            <p:contentPart p14:bwMode="auto" r:id="rId18">
+              <p14:nvContentPartPr>
+                <p14:cNvPr id="15" name="Ink 14">
+                  <a:extLst>
+                    <a:ext uri="{FF2B5EF4-FFF2-40B4-BE49-F238E27FC236}">
+                      <a16:creationId xmlns:a16="http://schemas.microsoft.com/office/drawing/2014/main" id="{AB241C18-16B6-748D-390B-7C7DE94EBE5C}"/>
+                    </a:ext>
+                  </a:extLst>
+                </p14:cNvPr>
+                <p14:cNvContentPartPr/>
+                <p14:nvPr/>
+              </p14:nvContentPartPr>
+              <p14:xfrm>
+                <a:off x="898122" y="3775086"/>
+                <a:ext cx="839160" cy="92160"/>
+              </p14:xfrm>
+            </p:contentPart>
+          </mc:Choice>
+          <mc:Fallback>
+            <p:pic>
+              <p:nvPicPr>
+                <p:cNvPr id="15" name="Ink 14">
+                  <a:extLst>
+                    <a:ext uri="{FF2B5EF4-FFF2-40B4-BE49-F238E27FC236}">
+                      <a16:creationId xmlns:a16="http://schemas.microsoft.com/office/drawing/2014/main" id="{AB241C18-16B6-748D-390B-7C7DE94EBE5C}"/>
+                    </a:ext>
+                  </a:extLst>
+                </p:cNvPr>
+                <p:cNvPicPr/>
+                <p:nvPr/>
+              </p:nvPicPr>
+              <p:blipFill>
+                <a:blip r:embed="rId19"/>
+                <a:stretch>
+                  <a:fillRect/>
+                </a:stretch>
+              </p:blipFill>
+              <p:spPr>
+                <a:xfrm>
+                  <a:off x="892002" y="3768966"/>
+                  <a:ext cx="851400" cy="104400"/>
+                </a:xfrm>
+                <a:prstGeom prst="rect">
+                  <a:avLst/>
+                </a:prstGeom>
+              </p:spPr>
+            </p:pic>
+          </mc:Fallback>
+        </mc:AlternateContent>
+        <mc:AlternateContent xmlns:mc="http://schemas.openxmlformats.org/markup-compatibility/2006">
+          <mc:Choice xmlns:p14="http://schemas.microsoft.com/office/powerpoint/2010/main" Requires="p14">
+            <p:contentPart p14:bwMode="auto" r:id="rId20">
+              <p14:nvContentPartPr>
+                <p14:cNvPr id="16" name="Ink 15">
+                  <a:extLst>
+                    <a:ext uri="{FF2B5EF4-FFF2-40B4-BE49-F238E27FC236}">
+                      <a16:creationId xmlns:a16="http://schemas.microsoft.com/office/drawing/2014/main" id="{17CB2FC6-F843-12BF-1283-C2AC96601474}"/>
+                    </a:ext>
+                  </a:extLst>
+                </p14:cNvPr>
+                <p14:cNvContentPartPr/>
+                <p14:nvPr/>
+              </p14:nvContentPartPr>
+              <p14:xfrm>
+                <a:off x="1812522" y="4138686"/>
+                <a:ext cx="274320" cy="421200"/>
+              </p14:xfrm>
+            </p:contentPart>
+          </mc:Choice>
+          <mc:Fallback>
+            <p:pic>
+              <p:nvPicPr>
+                <p:cNvPr id="16" name="Ink 15">
+                  <a:extLst>
+                    <a:ext uri="{FF2B5EF4-FFF2-40B4-BE49-F238E27FC236}">
+                      <a16:creationId xmlns:a16="http://schemas.microsoft.com/office/drawing/2014/main" id="{17CB2FC6-F843-12BF-1283-C2AC96601474}"/>
+                    </a:ext>
+                  </a:extLst>
+                </p:cNvPr>
+                <p:cNvPicPr/>
+                <p:nvPr/>
+              </p:nvPicPr>
+              <p:blipFill>
+                <a:blip r:embed="rId21"/>
+                <a:stretch>
+                  <a:fillRect/>
+                </a:stretch>
+              </p:blipFill>
+              <p:spPr>
+                <a:xfrm>
+                  <a:off x="1806402" y="4132566"/>
+                  <a:ext cx="286560" cy="433440"/>
+                </a:xfrm>
+                <a:prstGeom prst="rect">
+                  <a:avLst/>
+                </a:prstGeom>
+              </p:spPr>
+            </p:pic>
+          </mc:Fallback>
+        </mc:AlternateContent>
+        <mc:AlternateContent xmlns:mc="http://schemas.openxmlformats.org/markup-compatibility/2006">
+          <mc:Choice xmlns:p14="http://schemas.microsoft.com/office/powerpoint/2010/main" Requires="p14">
+            <p:contentPart p14:bwMode="auto" r:id="rId22">
+              <p14:nvContentPartPr>
+                <p14:cNvPr id="17" name="Ink 16">
+                  <a:extLst>
+                    <a:ext uri="{FF2B5EF4-FFF2-40B4-BE49-F238E27FC236}">
+                      <a16:creationId xmlns:a16="http://schemas.microsoft.com/office/drawing/2014/main" id="{566356EF-D701-596C-E41D-8EB5CC1FE25A}"/>
+                    </a:ext>
+                  </a:extLst>
+                </p14:cNvPr>
+                <p14:cNvContentPartPr/>
+                <p14:nvPr/>
+              </p14:nvContentPartPr>
+              <p14:xfrm>
+                <a:off x="2243082" y="4119606"/>
+                <a:ext cx="534600" cy="438480"/>
+              </p14:xfrm>
+            </p:contentPart>
+          </mc:Choice>
+          <mc:Fallback>
+            <p:pic>
+              <p:nvPicPr>
+                <p:cNvPr id="17" name="Ink 16">
+                  <a:extLst>
+                    <a:ext uri="{FF2B5EF4-FFF2-40B4-BE49-F238E27FC236}">
+                      <a16:creationId xmlns:a16="http://schemas.microsoft.com/office/drawing/2014/main" id="{566356EF-D701-596C-E41D-8EB5CC1FE25A}"/>
+                    </a:ext>
+                  </a:extLst>
+                </p:cNvPr>
+                <p:cNvPicPr/>
+                <p:nvPr/>
+              </p:nvPicPr>
+              <p:blipFill>
+                <a:blip r:embed="rId23"/>
+                <a:stretch>
+                  <a:fillRect/>
+                </a:stretch>
+              </p:blipFill>
+              <p:spPr>
+                <a:xfrm>
+                  <a:off x="2236962" y="4113486"/>
+                  <a:ext cx="546840" cy="450720"/>
+                </a:xfrm>
+                <a:prstGeom prst="rect">
+                  <a:avLst/>
+                </a:prstGeom>
+              </p:spPr>
+            </p:pic>
+          </mc:Fallback>
+        </mc:AlternateContent>
+        <mc:AlternateContent xmlns:mc="http://schemas.openxmlformats.org/markup-compatibility/2006">
+          <mc:Choice xmlns:p14="http://schemas.microsoft.com/office/powerpoint/2010/main" Requires="p14">
+            <p:contentPart p14:bwMode="auto" r:id="rId24">
+              <p14:nvContentPartPr>
+                <p14:cNvPr id="18" name="Ink 17">
+                  <a:extLst>
+                    <a:ext uri="{FF2B5EF4-FFF2-40B4-BE49-F238E27FC236}">
+                      <a16:creationId xmlns:a16="http://schemas.microsoft.com/office/drawing/2014/main" id="{A4E9D4FC-ECF2-E132-AACC-73699B473C63}"/>
+                    </a:ext>
+                  </a:extLst>
+                </p14:cNvPr>
+                <p14:cNvContentPartPr/>
+                <p14:nvPr/>
+              </p14:nvContentPartPr>
+              <p14:xfrm>
+                <a:off x="2550882" y="4059846"/>
+                <a:ext cx="360" cy="360"/>
+              </p14:xfrm>
+            </p:contentPart>
+          </mc:Choice>
+          <mc:Fallback>
+            <p:pic>
+              <p:nvPicPr>
+                <p:cNvPr id="18" name="Ink 17">
+                  <a:extLst>
+                    <a:ext uri="{FF2B5EF4-FFF2-40B4-BE49-F238E27FC236}">
+                      <a16:creationId xmlns:a16="http://schemas.microsoft.com/office/drawing/2014/main" id="{A4E9D4FC-ECF2-E132-AACC-73699B473C63}"/>
+                    </a:ext>
+                  </a:extLst>
+                </p:cNvPr>
+                <p:cNvPicPr/>
+                <p:nvPr/>
+              </p:nvPicPr>
+              <p:blipFill>
+                <a:blip r:embed="rId25"/>
+                <a:stretch>
+                  <a:fillRect/>
+                </a:stretch>
+              </p:blipFill>
+              <p:spPr>
+                <a:xfrm>
+                  <a:off x="2544762" y="4053726"/>
+                  <a:ext cx="12600" cy="12600"/>
+                </a:xfrm>
+                <a:prstGeom prst="rect">
+                  <a:avLst/>
+                </a:prstGeom>
+              </p:spPr>
+            </p:pic>
+          </mc:Fallback>
+        </mc:AlternateContent>
+        <mc:AlternateContent xmlns:mc="http://schemas.openxmlformats.org/markup-compatibility/2006">
+          <mc:Choice xmlns:p14="http://schemas.microsoft.com/office/powerpoint/2010/main" Requires="p14">
+            <p:contentPart p14:bwMode="auto" r:id="rId26">
+              <p14:nvContentPartPr>
+                <p14:cNvPr id="19" name="Ink 18">
+                  <a:extLst>
+                    <a:ext uri="{FF2B5EF4-FFF2-40B4-BE49-F238E27FC236}">
+                      <a16:creationId xmlns:a16="http://schemas.microsoft.com/office/drawing/2014/main" id="{F0CB8F24-A251-8F15-007B-02A0DAFCAA61}"/>
+                    </a:ext>
+                  </a:extLst>
+                </p14:cNvPr>
+                <p14:cNvContentPartPr/>
+                <p14:nvPr/>
+              </p14:nvContentPartPr>
+              <p14:xfrm>
+                <a:off x="2807922" y="4112766"/>
+                <a:ext cx="408600" cy="400680"/>
+              </p14:xfrm>
+            </p:contentPart>
+          </mc:Choice>
+          <mc:Fallback>
+            <p:pic>
+              <p:nvPicPr>
+                <p:cNvPr id="19" name="Ink 18">
+                  <a:extLst>
+                    <a:ext uri="{FF2B5EF4-FFF2-40B4-BE49-F238E27FC236}">
+                      <a16:creationId xmlns:a16="http://schemas.microsoft.com/office/drawing/2014/main" id="{F0CB8F24-A251-8F15-007B-02A0DAFCAA61}"/>
+                    </a:ext>
+                  </a:extLst>
+                </p:cNvPr>
+                <p:cNvPicPr/>
+                <p:nvPr/>
+              </p:nvPicPr>
+              <p:blipFill>
+                <a:blip r:embed="rId27"/>
+                <a:stretch>
+                  <a:fillRect/>
+                </a:stretch>
+              </p:blipFill>
+              <p:spPr>
+                <a:xfrm>
+                  <a:off x="2801802" y="4106646"/>
+                  <a:ext cx="420840" cy="412920"/>
+                </a:xfrm>
+                <a:prstGeom prst="rect">
+                  <a:avLst/>
+                </a:prstGeom>
+              </p:spPr>
+            </p:pic>
+          </mc:Fallback>
+        </mc:AlternateContent>
+        <mc:AlternateContent xmlns:mc="http://schemas.openxmlformats.org/markup-compatibility/2006">
+          <mc:Choice xmlns:p14="http://schemas.microsoft.com/office/powerpoint/2010/main" Requires="p14">
+            <p:contentPart p14:bwMode="auto" r:id="rId28">
+              <p14:nvContentPartPr>
+                <p14:cNvPr id="22" name="Ink 21">
+                  <a:extLst>
+                    <a:ext uri="{FF2B5EF4-FFF2-40B4-BE49-F238E27FC236}">
+                      <a16:creationId xmlns:a16="http://schemas.microsoft.com/office/drawing/2014/main" id="{74BA8938-2119-1965-C7E4-1E9327A32C73}"/>
+                    </a:ext>
+                  </a:extLst>
+                </p14:cNvPr>
+                <p14:cNvContentPartPr/>
+                <p14:nvPr/>
+              </p14:nvContentPartPr>
+              <p14:xfrm>
+                <a:off x="2531082" y="3981006"/>
+                <a:ext cx="157320" cy="114840"/>
+              </p14:xfrm>
+            </p:contentPart>
+          </mc:Choice>
+          <mc:Fallback>
+            <p:pic>
+              <p:nvPicPr>
+                <p:cNvPr id="22" name="Ink 21">
+                  <a:extLst>
+                    <a:ext uri="{FF2B5EF4-FFF2-40B4-BE49-F238E27FC236}">
+                      <a16:creationId xmlns:a16="http://schemas.microsoft.com/office/drawing/2014/main" id="{74BA8938-2119-1965-C7E4-1E9327A32C73}"/>
+                    </a:ext>
+                  </a:extLst>
+                </p:cNvPr>
+                <p:cNvPicPr/>
+                <p:nvPr/>
+              </p:nvPicPr>
+              <p:blipFill>
+                <a:blip r:embed="rId29"/>
+                <a:stretch>
+                  <a:fillRect/>
+                </a:stretch>
+              </p:blipFill>
+              <p:spPr>
+                <a:xfrm>
+                  <a:off x="2524962" y="3974886"/>
+                  <a:ext cx="169560" cy="127080"/>
+                </a:xfrm>
+                <a:prstGeom prst="rect">
+                  <a:avLst/>
+                </a:prstGeom>
+              </p:spPr>
+            </p:pic>
+          </mc:Fallback>
+        </mc:AlternateContent>
+      </p:grpSp>
+    </p:spTree>
+    <p:extLst>
+      <p:ext uri="{BB962C8B-B14F-4D97-AF65-F5344CB8AC3E}">
+        <p14:creationId xmlns:p14="http://schemas.microsoft.com/office/powerpoint/2010/main" val="309566626"/>
+      </p:ext>
+    </p:extLst>
+  </p:cSld>
+  <p:clrMapOvr>
+    <a:masterClrMapping/>
+  </p:clrMapOvr>
+</p:sld>
+</file>
+
+<file path=ppt/slides/slide22.xml><?xml version="1.0" encoding="utf-8"?>
+<p:sld xmlns:a="http://schemas.openxmlformats.org/drawingml/2006/main" xmlns:r="http://schemas.openxmlformats.org/officeDocument/2006/relationships" xmlns:p="http://schemas.openxmlformats.org/presentationml/2006/main">
+  <p:cSld>
+    <p:spTree>
+      <p:nvGrpSpPr>
+        <p:cNvPr id="1" name=""/>
+        <p:cNvGrpSpPr/>
+        <p:nvPr/>
+      </p:nvGrpSpPr>
+      <p:grpSpPr>
+        <a:xfrm>
+          <a:off x="0" y="0"/>
+          <a:ext cx="0" cy="0"/>
+          <a:chOff x="0" y="0"/>
+          <a:chExt cx="0" cy="0"/>
+        </a:xfrm>
+      </p:grpSpPr>
+      <p:pic>
+        <p:nvPicPr>
+          <p:cNvPr id="5" name="Picture 4">
+            <a:extLst>
+              <a:ext uri="{FF2B5EF4-FFF2-40B4-BE49-F238E27FC236}">
+                <a16:creationId xmlns:a16="http://schemas.microsoft.com/office/drawing/2014/main" id="{2F6DBE00-22EA-559A-3517-80B2602316A6}"/>
+              </a:ext>
+            </a:extLst>
+          </p:cNvPr>
+          <p:cNvPicPr>
+            <a:picLocks noChangeAspect="1"/>
+          </p:cNvPicPr>
+          <p:nvPr/>
+        </p:nvPicPr>
+        <p:blipFill>
+          <a:blip r:embed="rId2"/>
+          <a:stretch>
+            <a:fillRect/>
+          </a:stretch>
+        </p:blipFill>
+        <p:spPr>
+          <a:xfrm>
+            <a:off x="3012756" y="812769"/>
+            <a:ext cx="7045643" cy="5591159"/>
+          </a:xfrm>
+          <a:prstGeom prst="rect">
+            <a:avLst/>
+          </a:prstGeom>
+        </p:spPr>
+      </p:pic>
+    </p:spTree>
+    <p:extLst>
+      <p:ext uri="{BB962C8B-B14F-4D97-AF65-F5344CB8AC3E}">
+        <p14:creationId xmlns:p14="http://schemas.microsoft.com/office/powerpoint/2010/main" val="2319926832"/>
+      </p:ext>
+    </p:extLst>
+  </p:cSld>
+  <p:clrMapOvr>
+    <a:masterClrMapping/>
+  </p:clrMapOvr>
+</p:sld>
+</file>
+
+<file path=ppt/slides/slide23.xml><?xml version="1.0" encoding="utf-8"?>
+<p:sld xmlns:a="http://schemas.openxmlformats.org/drawingml/2006/main" xmlns:r="http://schemas.openxmlformats.org/officeDocument/2006/relationships" xmlns:p="http://schemas.openxmlformats.org/presentationml/2006/main">
+  <p:cSld>
+    <p:spTree>
+      <p:nvGrpSpPr>
+        <p:cNvPr id="1" name=""/>
+        <p:cNvGrpSpPr/>
+        <p:nvPr/>
+      </p:nvGrpSpPr>
+      <p:grpSpPr>
+        <a:xfrm>
+          <a:off x="0" y="0"/>
+          <a:ext cx="0" cy="0"/>
+          <a:chOff x="0" y="0"/>
+          <a:chExt cx="0" cy="0"/>
+        </a:xfrm>
+      </p:grpSpPr>
+      <p:pic>
+        <p:nvPicPr>
+          <p:cNvPr id="5" name="Picture 4">
+            <a:extLst>
+              <a:ext uri="{FF2B5EF4-FFF2-40B4-BE49-F238E27FC236}">
+                <a16:creationId xmlns:a16="http://schemas.microsoft.com/office/drawing/2014/main" id="{54B4A9A9-1328-CA8E-467D-034FBD44C722}"/>
+              </a:ext>
+            </a:extLst>
+          </p:cNvPr>
+          <p:cNvPicPr>
+            <a:picLocks noChangeAspect="1"/>
+          </p:cNvPicPr>
+          <p:nvPr/>
+        </p:nvPicPr>
+        <p:blipFill>
+          <a:blip r:embed="rId2"/>
+          <a:stretch>
+            <a:fillRect/>
+          </a:stretch>
+        </p:blipFill>
+        <p:spPr>
+          <a:xfrm>
+            <a:off x="1449705" y="764613"/>
+            <a:ext cx="9292590" cy="5599115"/>
+          </a:xfrm>
+          <a:prstGeom prst="rect">
+            <a:avLst/>
+          </a:prstGeom>
+        </p:spPr>
+      </p:pic>
+    </p:spTree>
+    <p:extLst>
+      <p:ext uri="{BB962C8B-B14F-4D97-AF65-F5344CB8AC3E}">
+        <p14:creationId xmlns:p14="http://schemas.microsoft.com/office/powerpoint/2010/main" val="3250527790"/>
+      </p:ext>
+    </p:extLst>
+  </p:cSld>
+  <p:clrMapOvr>
+    <a:masterClrMapping/>
+  </p:clrMapOvr>
+</p:sld>
+</file>
+
+<file path=ppt/slides/slide24.xml><?xml version="1.0" encoding="utf-8"?>
+<p:sld xmlns:a="http://schemas.openxmlformats.org/drawingml/2006/main" xmlns:r="http://schemas.openxmlformats.org/officeDocument/2006/relationships" xmlns:p="http://schemas.openxmlformats.org/presentationml/2006/main">
+  <p:cSld>
+    <p:spTree>
+      <p:nvGrpSpPr>
+        <p:cNvPr id="1" name=""/>
+        <p:cNvGrpSpPr/>
+        <p:nvPr/>
+      </p:nvGrpSpPr>
+      <p:grpSpPr>
+        <a:xfrm>
+          <a:off x="0" y="0"/>
+          <a:ext cx="0" cy="0"/>
+          <a:chOff x="0" y="0"/>
+          <a:chExt cx="0" cy="0"/>
+        </a:xfrm>
+      </p:grpSpPr>
+      <p:pic>
+        <p:nvPicPr>
+          <p:cNvPr id="5" name="Picture 4">
+            <a:extLst>
+              <a:ext uri="{FF2B5EF4-FFF2-40B4-BE49-F238E27FC236}">
+                <a16:creationId xmlns:a16="http://schemas.microsoft.com/office/drawing/2014/main" id="{A41016F9-5255-AFAB-EA2C-A8F8EED8EE3D}"/>
+              </a:ext>
+            </a:extLst>
+          </p:cNvPr>
+          <p:cNvPicPr>
+            <a:picLocks noChangeAspect="1"/>
+          </p:cNvPicPr>
+          <p:nvPr/>
+        </p:nvPicPr>
+        <p:blipFill>
+          <a:blip r:embed="rId2"/>
+          <a:stretch>
+            <a:fillRect/>
+          </a:stretch>
+        </p:blipFill>
+        <p:spPr>
+          <a:xfrm>
+            <a:off x="2334887" y="1562771"/>
+            <a:ext cx="8455496" cy="4319045"/>
+          </a:xfrm>
+          <a:prstGeom prst="rect">
+            <a:avLst/>
+          </a:prstGeom>
+        </p:spPr>
+      </p:pic>
+    </p:spTree>
+    <p:extLst>
+      <p:ext uri="{BB962C8B-B14F-4D97-AF65-F5344CB8AC3E}">
+        <p14:creationId xmlns:p14="http://schemas.microsoft.com/office/powerpoint/2010/main" val="2100154091"/>
+      </p:ext>
+    </p:extLst>
+  </p:cSld>
+  <p:clrMapOvr>
+    <a:masterClrMapping/>
+  </p:clrMapOvr>
+</p:sld>
+</file>
+
+<file path=ppt/slides/slide25.xml><?xml version="1.0" encoding="utf-8"?>
+<p:sld xmlns:a="http://schemas.openxmlformats.org/drawingml/2006/main" xmlns:r="http://schemas.openxmlformats.org/officeDocument/2006/relationships" xmlns:p="http://schemas.openxmlformats.org/presentationml/2006/main">
+  <p:cSld>
+    <p:spTree>
+      <p:nvGrpSpPr>
+        <p:cNvPr id="1" name=""/>
+        <p:cNvGrpSpPr/>
+        <p:nvPr/>
+      </p:nvGrpSpPr>
+      <p:grpSpPr>
+        <a:xfrm>
+          <a:off x="0" y="0"/>
+          <a:ext cx="0" cy="0"/>
+          <a:chOff x="0" y="0"/>
+          <a:chExt cx="0" cy="0"/>
+        </a:xfrm>
+      </p:grpSpPr>
+      <p:pic>
+        <p:nvPicPr>
+          <p:cNvPr id="5" name="Picture 4">
+            <a:extLst>
+              <a:ext uri="{FF2B5EF4-FFF2-40B4-BE49-F238E27FC236}">
+                <a16:creationId xmlns:a16="http://schemas.microsoft.com/office/drawing/2014/main" id="{CA14AE33-8C0B-16C6-E5DA-84D2BD37A19D}"/>
+              </a:ext>
+            </a:extLst>
+          </p:cNvPr>
+          <p:cNvPicPr>
+            <a:picLocks noChangeAspect="1"/>
+          </p:cNvPicPr>
+          <p:nvPr/>
+        </p:nvPicPr>
+        <p:blipFill>
+          <a:blip r:embed="rId2"/>
+          <a:stretch>
+            <a:fillRect/>
+          </a:stretch>
+        </p:blipFill>
+        <p:spPr>
+          <a:xfrm>
+            <a:off x="1513127" y="628769"/>
+            <a:ext cx="10118231" cy="6006809"/>
+          </a:xfrm>
+          <a:prstGeom prst="rect">
+            <a:avLst/>
+          </a:prstGeom>
+        </p:spPr>
+      </p:pic>
+    </p:spTree>
+    <p:extLst>
+      <p:ext uri="{BB962C8B-B14F-4D97-AF65-F5344CB8AC3E}">
+        <p14:creationId xmlns:p14="http://schemas.microsoft.com/office/powerpoint/2010/main" val="1095205394"/>
+      </p:ext>
+    </p:extLst>
+  </p:cSld>
+  <p:clrMapOvr>
+    <a:masterClrMapping/>
+  </p:clrMapOvr>
+</p:sld>
+</file>
+
+<file path=ppt/slides/slide3.xml><?xml version="1.0" encoding="utf-8"?>
+<p:sld xmlns:a="http://schemas.openxmlformats.org/drawingml/2006/main" xmlns:r="http://schemas.openxmlformats.org/officeDocument/2006/relationships" xmlns:p="http://schemas.openxmlformats.org/presentationml/2006/main">
+  <p:cSld>
+    <p:spTree>
+      <p:nvGrpSpPr>
+        <p:cNvPr id="1" name=""/>
+        <p:cNvGrpSpPr/>
+        <p:nvPr/>
+      </p:nvGrpSpPr>
+      <p:grpSpPr>
+        <a:xfrm>
+          <a:off x="0" y="0"/>
+          <a:ext cx="0" cy="0"/>
+          <a:chOff x="0" y="0"/>
+          <a:chExt cx="0" cy="0"/>
+        </a:xfrm>
+      </p:grpSpPr>
+      <p:pic>
+        <p:nvPicPr>
+          <p:cNvPr id="5" name="Picture 4">
+            <a:extLst>
+              <a:ext uri="{FF2B5EF4-FFF2-40B4-BE49-F238E27FC236}">
+                <a16:creationId xmlns:a16="http://schemas.microsoft.com/office/drawing/2014/main" id="{FCC72FBB-61ED-DB52-119F-1FF83039EDFB}"/>
+              </a:ext>
+            </a:extLst>
+          </p:cNvPr>
+          <p:cNvPicPr>
+            <a:picLocks noChangeAspect="1"/>
+          </p:cNvPicPr>
+          <p:nvPr/>
+        </p:nvPicPr>
+        <p:blipFill>
+          <a:blip r:embed="rId2"/>
+          <a:stretch>
+            <a:fillRect/>
+          </a:stretch>
+        </p:blipFill>
+        <p:spPr>
+          <a:xfrm>
+            <a:off x="4262839" y="630763"/>
+            <a:ext cx="3666321" cy="5596474"/>
+          </a:xfrm>
+          <a:prstGeom prst="rect">
+            <a:avLst/>
+          </a:prstGeom>
+        </p:spPr>
+      </p:pic>
+    </p:spTree>
+    <p:extLst>
+      <p:ext uri="{BB962C8B-B14F-4D97-AF65-F5344CB8AC3E}">
+        <p14:creationId xmlns:p14="http://schemas.microsoft.com/office/powerpoint/2010/main" val="482326357"/>
+      </p:ext>
+    </p:extLst>
+  </p:cSld>
+  <p:clrMapOvr>
+    <a:masterClrMapping/>
+  </p:clrMapOvr>
+</p:sld>
+</file>
+
+<file path=ppt/slides/slide4.xml><?xml version="1.0" encoding="utf-8"?>
+<p:sld xmlns:a="http://schemas.openxmlformats.org/drawingml/2006/main" xmlns:r="http://schemas.openxmlformats.org/officeDocument/2006/relationships" xmlns:p="http://schemas.openxmlformats.org/presentationml/2006/main">
+  <p:cSld>
+    <p:spTree>
+      <p:nvGrpSpPr>
+        <p:cNvPr id="1" name=""/>
+        <p:cNvGrpSpPr/>
+        <p:nvPr/>
+      </p:nvGrpSpPr>
+      <p:grpSpPr>
+        <a:xfrm>
+          <a:off x="0" y="0"/>
+          <a:ext cx="0" cy="0"/>
+          <a:chOff x="0" y="0"/>
+          <a:chExt cx="0" cy="0"/>
+        </a:xfrm>
+      </p:grpSpPr>
+      <p:pic>
+        <p:nvPicPr>
+          <p:cNvPr id="5" name="Picture 4">
+            <a:extLst>
+              <a:ext uri="{FF2B5EF4-FFF2-40B4-BE49-F238E27FC236}">
+                <a16:creationId xmlns:a16="http://schemas.microsoft.com/office/drawing/2014/main" id="{8E144588-9962-5002-AA4F-54877BD98A82}"/>
+              </a:ext>
+            </a:extLst>
+          </p:cNvPr>
+          <p:cNvPicPr>
+            <a:picLocks noChangeAspect="1"/>
+          </p:cNvPicPr>
+          <p:nvPr/>
+        </p:nvPicPr>
+        <p:blipFill>
+          <a:blip r:embed="rId2"/>
+          <a:stretch>
+            <a:fillRect/>
+          </a:stretch>
+        </p:blipFill>
+        <p:spPr>
+          <a:xfrm>
+            <a:off x="2680499" y="778163"/>
+            <a:ext cx="6831001" cy="5301673"/>
+          </a:xfrm>
+          <a:prstGeom prst="rect">
+            <a:avLst/>
+          </a:prstGeom>
+        </p:spPr>
+      </p:pic>
+    </p:spTree>
+    <p:extLst>
+      <p:ext uri="{BB962C8B-B14F-4D97-AF65-F5344CB8AC3E}">
+        <p14:creationId xmlns:p14="http://schemas.microsoft.com/office/powerpoint/2010/main" val="3397689851"/>
+      </p:ext>
+    </p:extLst>
+  </p:cSld>
+  <p:clrMapOvr>
+    <a:masterClrMapping/>
+  </p:clrMapOvr>
+</p:sld>
+</file>
+
+<file path=ppt/slides/slide5.xml><?xml version="1.0" encoding="utf-8"?>
+<p:sld xmlns:a="http://schemas.openxmlformats.org/drawingml/2006/main" xmlns:r="http://schemas.openxmlformats.org/officeDocument/2006/relationships" xmlns:p="http://schemas.openxmlformats.org/presentationml/2006/main">
+  <p:cSld>
+    <p:spTree>
+      <p:nvGrpSpPr>
+        <p:cNvPr id="1" name=""/>
+        <p:cNvGrpSpPr/>
+        <p:nvPr/>
+      </p:nvGrpSpPr>
+      <p:grpSpPr>
+        <a:xfrm>
+          <a:off x="0" y="0"/>
+          <a:ext cx="0" cy="0"/>
+          <a:chOff x="0" y="0"/>
+          <a:chExt cx="0" cy="0"/>
+        </a:xfrm>
+      </p:grpSpPr>
+      <p:sp>
+        <p:nvSpPr>
+          <p:cNvPr id="2" name="Title 1">
+            <a:extLst>
+              <a:ext uri="{FF2B5EF4-FFF2-40B4-BE49-F238E27FC236}">
+                <a16:creationId xmlns:a16="http://schemas.microsoft.com/office/drawing/2014/main" id="{CCDE64A1-F34C-53CD-B2F3-BF600A944E5A}"/>
+              </a:ext>
+            </a:extLst>
+          </p:cNvPr>
+          <p:cNvSpPr>
+            <a:spLocks noGrp="1"/>
+          </p:cNvSpPr>
+          <p:nvPr>
+            <p:ph type="title"/>
+          </p:nvPr>
+        </p:nvSpPr>
+        <p:spPr/>
+        <p:txBody>
+          <a:bodyPr/>
+          <a:lstStyle/>
+          <a:p>
+            <a:pPr algn="ctr"/>
+            <a:r>
+              <a:rPr lang="en-GB" b="1" dirty="0"/>
+              <a:t>Pre-Processing</a:t>
+            </a:r>
+            <a:endParaRPr lang="en-US" b="1" dirty="0"/>
+          </a:p>
+        </p:txBody>
+      </p:sp>
+      <p:sp>
+        <p:nvSpPr>
+          <p:cNvPr id="3" name="Content Placeholder 2">
+            <a:extLst>
+              <a:ext uri="{FF2B5EF4-FFF2-40B4-BE49-F238E27FC236}">
+                <a16:creationId xmlns:a16="http://schemas.microsoft.com/office/drawing/2014/main" id="{D91DE1D8-09F9-E7F0-39E7-51DB222E3CF3}"/>
+              </a:ext>
+            </a:extLst>
+          </p:cNvPr>
+          <p:cNvSpPr>
+            <a:spLocks noGrp="1"/>
+          </p:cNvSpPr>
+          <p:nvPr>
+            <p:ph idx="1"/>
+          </p:nvPr>
+        </p:nvSpPr>
+        <p:spPr>
+          <a:xfrm>
+            <a:off x="323274" y="1825625"/>
+            <a:ext cx="5021776" cy="4351338"/>
+          </a:xfrm>
+        </p:spPr>
+        <p:txBody>
+          <a:bodyPr>
+            <a:normAutofit/>
+          </a:bodyPr>
+          <a:lstStyle/>
+          <a:p>
+            <a:pPr marL="0" indent="0" algn="l">
+              <a:buNone/>
+            </a:pPr>
+            <a:r>
+              <a:rPr lang="en-US" sz="2400" b="0" i="0" dirty="0">
+                <a:effectLst/>
+                <a:latin typeface="system-ui"/>
+              </a:rPr>
+              <a:t>The dataset contained some null values. </a:t>
+            </a:r>
+          </a:p>
+          <a:p>
+            <a:pPr marL="0" indent="0" algn="l">
+              <a:buNone/>
+            </a:pPr>
+            <a:endParaRPr lang="en-US" sz="2400" dirty="0">
+              <a:latin typeface="system-ui"/>
+            </a:endParaRPr>
+          </a:p>
+          <a:p>
+            <a:pPr marL="0" indent="0" algn="l">
+              <a:buNone/>
+            </a:pPr>
+            <a:r>
+              <a:rPr lang="en-US" sz="2400" b="0" i="0" dirty="0">
+                <a:effectLst/>
+                <a:latin typeface="system-ui"/>
+              </a:rPr>
+              <a:t>39 of 20800 (0.19%) entries of the text column were non-null; I deleted these samples.</a:t>
+            </a:r>
+            <a:endParaRPr lang="en-US" sz="2400" dirty="0"/>
+          </a:p>
+        </p:txBody>
+      </p:sp>
+      <p:pic>
+        <p:nvPicPr>
+          <p:cNvPr id="5" name="Picture 4">
+            <a:extLst>
+              <a:ext uri="{FF2B5EF4-FFF2-40B4-BE49-F238E27FC236}">
+                <a16:creationId xmlns:a16="http://schemas.microsoft.com/office/drawing/2014/main" id="{2914886B-0874-0852-8C56-D06DD0FAB8DE}"/>
+              </a:ext>
+            </a:extLst>
+          </p:cNvPr>
+          <p:cNvPicPr>
+            <a:picLocks noChangeAspect="1"/>
+          </p:cNvPicPr>
+          <p:nvPr/>
+        </p:nvPicPr>
+        <p:blipFill>
+          <a:blip r:embed="rId2"/>
+          <a:stretch>
+            <a:fillRect/>
+          </a:stretch>
+        </p:blipFill>
+        <p:spPr>
+          <a:xfrm>
+            <a:off x="5243450" y="1825625"/>
+            <a:ext cx="6846950" cy="3846126"/>
+          </a:xfrm>
+          <a:prstGeom prst="rect">
+            <a:avLst/>
+          </a:prstGeom>
+        </p:spPr>
+      </p:pic>
+    </p:spTree>
+    <p:extLst>
+      <p:ext uri="{BB962C8B-B14F-4D97-AF65-F5344CB8AC3E}">
+        <p14:creationId xmlns:p14="http://schemas.microsoft.com/office/powerpoint/2010/main" val="203568916"/>
+      </p:ext>
+    </p:extLst>
+  </p:cSld>
+  <p:clrMapOvr>
+    <a:masterClrMapping/>
+  </p:clrMapOvr>
+</p:sld>
+</file>
+
+<file path=ppt/slides/slide6.xml><?xml version="1.0" encoding="utf-8"?>
+<p:sld xmlns:a="http://schemas.openxmlformats.org/drawingml/2006/main" xmlns:r="http://schemas.openxmlformats.org/officeDocument/2006/relationships" xmlns:p="http://schemas.openxmlformats.org/presentationml/2006/main">
+  <p:cSld>
+    <p:spTree>
+      <p:nvGrpSpPr>
+        <p:cNvPr id="1" name=""/>
+        <p:cNvGrpSpPr/>
+        <p:nvPr/>
+      </p:nvGrpSpPr>
+      <p:grpSpPr>
+        <a:xfrm>
+          <a:off x="0" y="0"/>
+          <a:ext cx="0" cy="0"/>
+          <a:chOff x="0" y="0"/>
+          <a:chExt cx="0" cy="0"/>
+        </a:xfrm>
+      </p:grpSpPr>
+      <p:sp>
+        <p:nvSpPr>
+          <p:cNvPr id="3" name="Content Placeholder 2">
+            <a:extLst>
+              <a:ext uri="{FF2B5EF4-FFF2-40B4-BE49-F238E27FC236}">
+                <a16:creationId xmlns:a16="http://schemas.microsoft.com/office/drawing/2014/main" id="{47169DA7-944A-182D-214B-210971DE5BB3}"/>
+              </a:ext>
+            </a:extLst>
+          </p:cNvPr>
+          <p:cNvSpPr>
+            <a:spLocks noGrp="1"/>
+          </p:cNvSpPr>
+          <p:nvPr>
+            <p:ph idx="1"/>
+          </p:nvPr>
+        </p:nvSpPr>
+        <p:spPr>
+          <a:xfrm>
+            <a:off x="6477003" y="2499158"/>
+            <a:ext cx="5142342" cy="1859684"/>
+          </a:xfrm>
+        </p:spPr>
+        <p:txBody>
+          <a:bodyPr>
+            <a:normAutofit/>
+          </a:bodyPr>
+          <a:lstStyle/>
+          <a:p>
+            <a:pPr marL="0" indent="0">
+              <a:buNone/>
+            </a:pPr>
+            <a:r>
+              <a:rPr lang="en-US" sz="2400" dirty="0">
+                <a:latin typeface="system-ui"/>
+              </a:rPr>
+              <a:t>The new data description demonstrates this reduction in samples from 20800 to 20761 (the number of non-null text value samples)</a:t>
+            </a:r>
+            <a:endParaRPr lang="en-US" sz="2400" dirty="0"/>
+          </a:p>
+        </p:txBody>
+      </p:sp>
+      <p:pic>
+        <p:nvPicPr>
+          <p:cNvPr id="5" name="Picture 4">
+            <a:extLst>
+              <a:ext uri="{FF2B5EF4-FFF2-40B4-BE49-F238E27FC236}">
+                <a16:creationId xmlns:a16="http://schemas.microsoft.com/office/drawing/2014/main" id="{199FE03B-FFC1-6215-D39A-5610D01801F5}"/>
+              </a:ext>
+            </a:extLst>
+          </p:cNvPr>
+          <p:cNvPicPr>
+            <a:picLocks noChangeAspect="1"/>
+          </p:cNvPicPr>
+          <p:nvPr/>
+        </p:nvPicPr>
+        <p:blipFill>
+          <a:blip r:embed="rId2"/>
+          <a:stretch>
+            <a:fillRect/>
+          </a:stretch>
+        </p:blipFill>
+        <p:spPr>
+          <a:xfrm>
+            <a:off x="1844963" y="1048247"/>
+            <a:ext cx="4165600" cy="4892257"/>
+          </a:xfrm>
+          <a:prstGeom prst="rect">
+            <a:avLst/>
+          </a:prstGeom>
+        </p:spPr>
+      </p:pic>
+    </p:spTree>
+    <p:extLst>
+      <p:ext uri="{BB962C8B-B14F-4D97-AF65-F5344CB8AC3E}">
+        <p14:creationId xmlns:p14="http://schemas.microsoft.com/office/powerpoint/2010/main" val="2314860628"/>
+      </p:ext>
+    </p:extLst>
+  </p:cSld>
+  <p:clrMapOvr>
+    <a:masterClrMapping/>
+  </p:clrMapOvr>
+</p:sld>
+</file>
+
+<file path=ppt/slides/slide7.xml><?xml version="1.0" encoding="utf-8"?>
+<p:sld xmlns:a="http://schemas.openxmlformats.org/drawingml/2006/main" xmlns:r="http://schemas.openxmlformats.org/officeDocument/2006/relationships" xmlns:p="http://schemas.openxmlformats.org/presentationml/2006/main">
+  <p:cSld>
+    <p:spTree>
+      <p:nvGrpSpPr>
+        <p:cNvPr id="1" name=""/>
+        <p:cNvGrpSpPr/>
+        <p:nvPr/>
+      </p:nvGrpSpPr>
+      <p:grpSpPr>
+        <a:xfrm>
+          <a:off x="0" y="0"/>
+          <a:ext cx="0" cy="0"/>
+          <a:chOff x="0" y="0"/>
+          <a:chExt cx="0" cy="0"/>
+        </a:xfrm>
+      </p:grpSpPr>
+      <p:pic>
+        <p:nvPicPr>
+          <p:cNvPr id="5" name="Picture 4">
+            <a:extLst>
+              <a:ext uri="{FF2B5EF4-FFF2-40B4-BE49-F238E27FC236}">
+                <a16:creationId xmlns:a16="http://schemas.microsoft.com/office/drawing/2014/main" id="{451EC08C-8803-0AF3-2211-90BEC98F5A23}"/>
+              </a:ext>
+            </a:extLst>
+          </p:cNvPr>
+          <p:cNvPicPr>
+            <a:picLocks noChangeAspect="1"/>
+          </p:cNvPicPr>
+          <p:nvPr/>
+        </p:nvPicPr>
+        <p:blipFill>
+          <a:blip r:embed="rId2"/>
+          <a:stretch>
+            <a:fillRect/>
+          </a:stretch>
+        </p:blipFill>
+        <p:spPr>
+          <a:xfrm>
+            <a:off x="2153645" y="896447"/>
+            <a:ext cx="7127327" cy="5065105"/>
+          </a:xfrm>
+          <a:prstGeom prst="rect">
+            <a:avLst/>
+          </a:prstGeom>
+        </p:spPr>
+      </p:pic>
+    </p:spTree>
+    <p:extLst>
+      <p:ext uri="{BB962C8B-B14F-4D97-AF65-F5344CB8AC3E}">
+        <p14:creationId xmlns:p14="http://schemas.microsoft.com/office/powerpoint/2010/main" val="2342727996"/>
+      </p:ext>
+    </p:extLst>
+  </p:cSld>
+  <p:clrMapOvr>
+    <a:masterClrMapping/>
+  </p:clrMapOvr>
+</p:sld>
+</file>
+
+<file path=ppt/slides/slide8.xml><?xml version="1.0" encoding="utf-8"?>
+<p:sld xmlns:a="http://schemas.openxmlformats.org/drawingml/2006/main" xmlns:r="http://schemas.openxmlformats.org/officeDocument/2006/relationships" xmlns:p="http://schemas.openxmlformats.org/presentationml/2006/main">
+  <p:cSld>
+    <p:spTree>
+      <p:nvGrpSpPr>
+        <p:cNvPr id="1" name=""/>
+        <p:cNvGrpSpPr/>
+        <p:nvPr/>
+      </p:nvGrpSpPr>
+      <p:grpSpPr>
+        <a:xfrm>
+          <a:off x="0" y="0"/>
+          <a:ext cx="0" cy="0"/>
+          <a:chOff x="0" y="0"/>
+          <a:chExt cx="0" cy="0"/>
+        </a:xfrm>
+      </p:grpSpPr>
+      <p:sp>
+        <p:nvSpPr>
+          <p:cNvPr id="2" name="Title 1">
+            <a:extLst>
+              <a:ext uri="{FF2B5EF4-FFF2-40B4-BE49-F238E27FC236}">
+                <a16:creationId xmlns:a16="http://schemas.microsoft.com/office/drawing/2014/main" id="{7F99DA12-9DD9-BA92-D97C-66383A3B8EE3}"/>
+              </a:ext>
+            </a:extLst>
+          </p:cNvPr>
+          <p:cNvSpPr>
+            <a:spLocks noGrp="1"/>
+          </p:cNvSpPr>
+          <p:nvPr>
+            <p:ph type="title"/>
+          </p:nvPr>
+        </p:nvSpPr>
+        <p:spPr/>
+        <p:txBody>
+          <a:bodyPr/>
+          <a:lstStyle/>
+          <a:p>
+            <a:pPr algn="ctr"/>
+            <a:r>
+              <a:rPr lang="en-GB" b="1" dirty="0"/>
+              <a:t>Visualising Reliability</a:t>
+            </a:r>
+            <a:endParaRPr lang="en-US" b="1" dirty="0"/>
+          </a:p>
+        </p:txBody>
+      </p:sp>
+      <p:sp>
+        <p:nvSpPr>
+          <p:cNvPr id="3" name="Content Placeholder 2">
+            <a:extLst>
+              <a:ext uri="{FF2B5EF4-FFF2-40B4-BE49-F238E27FC236}">
+                <a16:creationId xmlns:a16="http://schemas.microsoft.com/office/drawing/2014/main" id="{0D3B1180-C1B5-BE53-EB8B-CB7DF40B7B71}"/>
+              </a:ext>
+            </a:extLst>
+          </p:cNvPr>
+          <p:cNvSpPr>
+            <a:spLocks noGrp="1"/>
+          </p:cNvSpPr>
+          <p:nvPr>
+            <p:ph idx="1"/>
+          </p:nvPr>
+        </p:nvSpPr>
+        <p:spPr/>
+        <p:txBody>
+          <a:bodyPr>
+            <a:normAutofit/>
+          </a:bodyPr>
+          <a:lstStyle/>
+          <a:p>
+            <a:pPr marL="514350" indent="-514350">
+              <a:buFont typeface="+mj-lt"/>
+              <a:buAutoNum type="arabicPeriod"/>
+            </a:pPr>
+            <a:r>
+              <a:rPr lang="en-GB" sz="2400" dirty="0"/>
+              <a:t>Word Clouds (Word Frequency)</a:t>
+            </a:r>
+          </a:p>
+          <a:p>
+            <a:pPr marL="514350" indent="-514350">
+              <a:buFont typeface="+mj-lt"/>
+              <a:buAutoNum type="arabicPeriod"/>
+            </a:pPr>
+            <a:r>
+              <a:rPr lang="en-GB" sz="2400" dirty="0"/>
+              <a:t>Plotting Word Frequency</a:t>
+            </a:r>
+          </a:p>
+          <a:p>
+            <a:pPr marL="514350" indent="-514350">
+              <a:buFont typeface="+mj-lt"/>
+              <a:buAutoNum type="arabicPeriod"/>
+            </a:pPr>
+            <a:r>
+              <a:rPr lang="en-GB" sz="2400" dirty="0"/>
+              <a:t>N-gram analysis (bigrams)</a:t>
+            </a:r>
+          </a:p>
+          <a:p>
+            <a:pPr marL="514350" indent="-514350">
+              <a:buFont typeface="+mj-lt"/>
+              <a:buAutoNum type="arabicPeriod"/>
+            </a:pPr>
+            <a:r>
+              <a:rPr lang="en-GB" sz="2400" dirty="0"/>
+              <a:t>Sentiment Analysis</a:t>
+            </a:r>
+            <a:endParaRPr lang="en-US" sz="2400" dirty="0"/>
+          </a:p>
+        </p:txBody>
+      </p:sp>
+    </p:spTree>
+    <p:extLst>
+      <p:ext uri="{BB962C8B-B14F-4D97-AF65-F5344CB8AC3E}">
+        <p14:creationId xmlns:p14="http://schemas.microsoft.com/office/powerpoint/2010/main" val="3439094108"/>
+      </p:ext>
+    </p:extLst>
+  </p:cSld>
+  <p:clrMapOvr>
+    <a:masterClrMapping/>
+  </p:clrMapOvr>
+</p:sld>
+</file>
+
+<file path=ppt/slides/slide9.xml><?xml version="1.0" encoding="utf-8"?>
+<p:sld xmlns:a="http://schemas.openxmlformats.org/drawingml/2006/main" xmlns:r="http://schemas.openxmlformats.org/officeDocument/2006/relationships" xmlns:p="http://schemas.openxmlformats.org/presentationml/2006/main">
+  <p:cSld>
+    <p:spTree>
+      <p:nvGrpSpPr>
+        <p:cNvPr id="1" name=""/>
+        <p:cNvGrpSpPr/>
+        <p:nvPr/>
+      </p:nvGrpSpPr>
+      <p:grpSpPr>
+        <a:xfrm>
+          <a:off x="0" y="0"/>
+          <a:ext cx="0" cy="0"/>
+          <a:chOff x="0" y="0"/>
+          <a:chExt cx="0" cy="0"/>
+        </a:xfrm>
+      </p:grpSpPr>
+      <p:sp>
+        <p:nvSpPr>
+          <p:cNvPr id="2" name="Title 1">
+            <a:extLst>
+              <a:ext uri="{FF2B5EF4-FFF2-40B4-BE49-F238E27FC236}">
+                <a16:creationId xmlns:a16="http://schemas.microsoft.com/office/drawing/2014/main" id="{8F300007-54F4-C254-60D9-EB817087AFA3}"/>
+              </a:ext>
+            </a:extLst>
+          </p:cNvPr>
+          <p:cNvSpPr>
+            <a:spLocks noGrp="1"/>
+          </p:cNvSpPr>
+          <p:nvPr>
+            <p:ph type="title"/>
+          </p:nvPr>
+        </p:nvSpPr>
+        <p:spPr/>
+        <p:txBody>
+          <a:bodyPr>
+            <a:normAutofit/>
+          </a:bodyPr>
+          <a:lstStyle/>
+          <a:p>
+            <a:pPr algn="ctr"/>
+            <a:r>
+              <a:rPr lang="en-GB" sz="4000" b="1" dirty="0"/>
+              <a:t>1. Word Clouds</a:t>
+            </a:r>
+            <a:endParaRPr lang="en-US" sz="4000" b="1" dirty="0"/>
+          </a:p>
+        </p:txBody>
+      </p:sp>
+      <p:pic>
+        <p:nvPicPr>
+          <p:cNvPr id="7" name="Picture 6">
+            <a:extLst>
+              <a:ext uri="{FF2B5EF4-FFF2-40B4-BE49-F238E27FC236}">
+                <a16:creationId xmlns:a16="http://schemas.microsoft.com/office/drawing/2014/main" id="{695B6CFB-7876-E1C6-5EFE-BF3180A04BB1}"/>
+              </a:ext>
+            </a:extLst>
+          </p:cNvPr>
+          <p:cNvPicPr>
+            <a:picLocks noChangeAspect="1"/>
+          </p:cNvPicPr>
+          <p:nvPr/>
+        </p:nvPicPr>
+        <p:blipFill>
+          <a:blip r:embed="rId2"/>
+          <a:stretch>
+            <a:fillRect/>
+          </a:stretch>
+        </p:blipFill>
+        <p:spPr>
+          <a:xfrm>
+            <a:off x="222420" y="2405805"/>
+            <a:ext cx="5577715" cy="2922307"/>
+          </a:xfrm>
+          <a:prstGeom prst="rect">
+            <a:avLst/>
+          </a:prstGeom>
+        </p:spPr>
+      </p:pic>
+      <p:pic>
+        <p:nvPicPr>
+          <p:cNvPr id="9" name="Picture 8">
+            <a:extLst>
+              <a:ext uri="{FF2B5EF4-FFF2-40B4-BE49-F238E27FC236}">
+                <a16:creationId xmlns:a16="http://schemas.microsoft.com/office/drawing/2014/main" id="{B22A19E2-2101-17CA-816B-188F26394DA1}"/>
+              </a:ext>
+            </a:extLst>
+          </p:cNvPr>
+          <p:cNvPicPr>
+            <a:picLocks noChangeAspect="1"/>
+          </p:cNvPicPr>
+          <p:nvPr/>
+        </p:nvPicPr>
+        <p:blipFill>
+          <a:blip r:embed="rId3"/>
+          <a:stretch>
+            <a:fillRect/>
+          </a:stretch>
+        </p:blipFill>
+        <p:spPr>
+          <a:xfrm>
+            <a:off x="6133506" y="2405805"/>
+            <a:ext cx="5934928" cy="3090818"/>
+          </a:xfrm>
+          <a:prstGeom prst="rect">
+            <a:avLst/>
+          </a:prstGeom>
+        </p:spPr>
+      </p:pic>
+    </p:spTree>
+    <p:extLst>
+      <p:ext uri="{BB962C8B-B14F-4D97-AF65-F5344CB8AC3E}">
+        <p14:creationId xmlns:p14="http://schemas.microsoft.com/office/powerpoint/2010/main" val="3672853936"/>
       </p:ext>
     </p:extLst>
   </p:cSld>
